--- a/Reports/Seminars/Van Tuan-Tran_Introduce_Page.pptx
+++ b/Reports/Seminars/Van Tuan-Tran_Introduce_Page.pptx
@@ -341,7 +341,7 @@
             <a:pPr indent="0" algn="r">
               <a:buNone/>
             </a:pPr>
-            <a:fld id="{A982C1EB-980A-4B61-A994-4496C7278FB6}" type="slidenum">
+            <a:fld id="{4E3A3A4E-1D29-4EA1-91D1-86A14BC44659}" type="slidenum">
               <a:rPr b="0" lang="en-US" sz="1400" spc="-1" strike="noStrike">
                 <a:solidFill>
                   <a:srgbClr val="000000"/>
@@ -395,7 +395,7 @@
         <p:spPr>
           <a:xfrm>
             <a:off x="777240" y="1257120"/>
-            <a:ext cx="6215760" cy="3393000"/>
+            <a:ext cx="6215400" cy="3392640"/>
           </a:xfrm>
           <a:prstGeom prst="rect">
             <a:avLst/>
@@ -418,7 +418,7 @@
         <p:spPr>
           <a:xfrm>
             <a:off x="777240" y="4840560"/>
-            <a:ext cx="6215760" cy="3958560"/>
+            <a:ext cx="6215400" cy="3958200"/>
           </a:xfrm>
           <a:prstGeom prst="rect">
             <a:avLst/>
@@ -436,7 +436,7 @@
             <a:pPr marL="216000" indent="0">
               <a:buNone/>
             </a:pPr>
-            <a:endParaRPr b="0" lang="en-US" sz="1979" spc="-1" strike="noStrike">
+            <a:endParaRPr b="0" lang="en-US" sz="1800" spc="-1" strike="noStrike">
               <a:solidFill>
                 <a:srgbClr val="000000"/>
               </a:solidFill>
@@ -458,7 +458,7 @@
         <p:spPr>
           <a:xfrm>
             <a:off x="4402440" y="9553680"/>
-            <a:ext cx="3366000" cy="502560"/>
+            <a:ext cx="3365640" cy="502200"/>
           </a:xfrm>
           <a:prstGeom prst="rect">
             <a:avLst/>
@@ -499,7 +499,7 @@
                 <a:tab algn="l" pos="0"/>
               </a:tabLst>
             </a:pPr>
-            <a:fld id="{D97A1AC2-EE0D-4F64-9441-BC84E5579D18}" type="slidenum">
+            <a:fld id="{6E36C787-28E7-42FD-B721-BD7DEBAA2755}" type="slidenum">
               <a:rPr b="0" lang="en-US" sz="1200" spc="-1" strike="noStrike">
                 <a:solidFill>
                   <a:srgbClr val="000000"/>
@@ -573,7 +573,7 @@
         <p:txBody>
           <a:bodyPr/>
           <a:p>
-            <a:fld id="{BBA9C224-99FA-4B3A-9AD6-48B5C8550268}" type="slidenum">
+            <a:fld id="{1CC59A6B-6CEA-453C-8DC1-EC33F821079A}" type="slidenum">
               <a:t>&lt;#&gt;</a:t>
             </a:fld>
           </a:p>
@@ -634,8 +634,8 @@
         </p:nvSpPr>
         <p:spPr>
           <a:xfrm>
-            <a:off x="503640" y="226080"/>
-            <a:ext cx="9072360" cy="946440"/>
+            <a:off x="504000" y="226080"/>
+            <a:ext cx="9072000" cy="946440"/>
           </a:xfrm>
           <a:prstGeom prst="rect">
             <a:avLst/>
@@ -653,7 +653,7 @@
             <a:pPr indent="0" algn="ctr">
               <a:buNone/>
             </a:pPr>
-            <a:endParaRPr b="0" lang="en-US" sz="4000" spc="-1" strike="noStrike">
+            <a:endParaRPr b="0" lang="en-US" sz="4400" spc="-1" strike="noStrike">
               <a:solidFill>
                 <a:srgbClr val="000000"/>
               </a:solidFill>
@@ -674,8 +674,8 @@
         </p:nvSpPr>
         <p:spPr>
           <a:xfrm>
-            <a:off x="503640" y="1326600"/>
-            <a:ext cx="9072360" cy="1568520"/>
+            <a:off x="504000" y="1326600"/>
+            <a:ext cx="9072000" cy="1568520"/>
           </a:xfrm>
           <a:prstGeom prst="rect">
             <a:avLst/>
@@ -692,11 +692,11 @@
           <a:p>
             <a:pPr indent="0">
               <a:spcBef>
-                <a:spcPts val="1171"/>
+                <a:spcPts val="1417"/>
               </a:spcBef>
               <a:buNone/>
             </a:pPr>
-            <a:endParaRPr b="0" lang="en-US" sz="2640" spc="-1" strike="noStrike">
+            <a:endParaRPr b="0" lang="en-US" sz="3200" spc="-1" strike="noStrike">
               <a:solidFill>
                 <a:srgbClr val="000000"/>
               </a:solidFill>
@@ -717,8 +717,8 @@
         </p:nvSpPr>
         <p:spPr>
           <a:xfrm>
-            <a:off x="503640" y="3044520"/>
-            <a:ext cx="9072360" cy="1568520"/>
+            <a:off x="504000" y="3044520"/>
+            <a:ext cx="9072000" cy="1568520"/>
           </a:xfrm>
           <a:prstGeom prst="rect">
             <a:avLst/>
@@ -735,11 +735,11 @@
           <a:p>
             <a:pPr indent="0">
               <a:spcBef>
-                <a:spcPts val="1171"/>
+                <a:spcPts val="1417"/>
               </a:spcBef>
               <a:buNone/>
             </a:pPr>
-            <a:endParaRPr b="0" lang="en-US" sz="2640" spc="-1" strike="noStrike">
+            <a:endParaRPr b="0" lang="en-US" sz="3200" spc="-1" strike="noStrike">
               <a:solidFill>
                 <a:srgbClr val="000000"/>
               </a:solidFill>
@@ -782,7 +782,7 @@
         <p:txBody>
           <a:bodyPr/>
           <a:p>
-            <a:fld id="{A2E62CBC-C842-4AF4-8974-E96B60BEE268}" type="slidenum">
+            <a:fld id="{1E6AC708-FE25-4D27-A6D2-4B2A7A7B0DFE}" type="slidenum">
               <a:t>&lt;#&gt;</a:t>
             </a:fld>
           </a:p>
@@ -843,8 +843,8 @@
         </p:nvSpPr>
         <p:spPr>
           <a:xfrm>
-            <a:off x="503640" y="226080"/>
-            <a:ext cx="9072360" cy="946440"/>
+            <a:off x="504000" y="226080"/>
+            <a:ext cx="9072000" cy="946440"/>
           </a:xfrm>
           <a:prstGeom prst="rect">
             <a:avLst/>
@@ -862,7 +862,7 @@
             <a:pPr indent="0" algn="ctr">
               <a:buNone/>
             </a:pPr>
-            <a:endParaRPr b="0" lang="en-US" sz="4000" spc="-1" strike="noStrike">
+            <a:endParaRPr b="0" lang="en-US" sz="4400" spc="-1" strike="noStrike">
               <a:solidFill>
                 <a:srgbClr val="000000"/>
               </a:solidFill>
@@ -883,8 +883,8 @@
         </p:nvSpPr>
         <p:spPr>
           <a:xfrm>
-            <a:off x="503640" y="1326600"/>
-            <a:ext cx="4427280" cy="1568520"/>
+            <a:off x="504000" y="1326600"/>
+            <a:ext cx="4426920" cy="1568520"/>
           </a:xfrm>
           <a:prstGeom prst="rect">
             <a:avLst/>
@@ -901,11 +901,11 @@
           <a:p>
             <a:pPr indent="0">
               <a:spcBef>
-                <a:spcPts val="1171"/>
+                <a:spcPts val="1417"/>
               </a:spcBef>
               <a:buNone/>
             </a:pPr>
-            <a:endParaRPr b="0" lang="en-US" sz="2640" spc="-1" strike="noStrike">
+            <a:endParaRPr b="0" lang="en-US" sz="3200" spc="-1" strike="noStrike">
               <a:solidFill>
                 <a:srgbClr val="000000"/>
               </a:solidFill>
@@ -927,7 +927,7 @@
         <p:spPr>
           <a:xfrm>
             <a:off x="5152680" y="1326600"/>
-            <a:ext cx="4427280" cy="1568520"/>
+            <a:ext cx="4426920" cy="1568520"/>
           </a:xfrm>
           <a:prstGeom prst="rect">
             <a:avLst/>
@@ -944,11 +944,11 @@
           <a:p>
             <a:pPr indent="0">
               <a:spcBef>
-                <a:spcPts val="1171"/>
+                <a:spcPts val="1417"/>
               </a:spcBef>
               <a:buNone/>
             </a:pPr>
-            <a:endParaRPr b="0" lang="en-US" sz="2640" spc="-1" strike="noStrike">
+            <a:endParaRPr b="0" lang="en-US" sz="3200" spc="-1" strike="noStrike">
               <a:solidFill>
                 <a:srgbClr val="000000"/>
               </a:solidFill>
@@ -969,8 +969,8 @@
         </p:nvSpPr>
         <p:spPr>
           <a:xfrm>
-            <a:off x="503640" y="3044520"/>
-            <a:ext cx="4427280" cy="1568520"/>
+            <a:off x="504000" y="3044520"/>
+            <a:ext cx="4426920" cy="1568520"/>
           </a:xfrm>
           <a:prstGeom prst="rect">
             <a:avLst/>
@@ -987,11 +987,11 @@
           <a:p>
             <a:pPr indent="0">
               <a:spcBef>
-                <a:spcPts val="1171"/>
+                <a:spcPts val="1417"/>
               </a:spcBef>
               <a:buNone/>
             </a:pPr>
-            <a:endParaRPr b="0" lang="en-US" sz="2640" spc="-1" strike="noStrike">
+            <a:endParaRPr b="0" lang="en-US" sz="3200" spc="-1" strike="noStrike">
               <a:solidFill>
                 <a:srgbClr val="000000"/>
               </a:solidFill>
@@ -1013,7 +1013,7 @@
         <p:spPr>
           <a:xfrm>
             <a:off x="5152680" y="3044520"/>
-            <a:ext cx="4427280" cy="1568520"/>
+            <a:ext cx="4426920" cy="1568520"/>
           </a:xfrm>
           <a:prstGeom prst="rect">
             <a:avLst/>
@@ -1030,11 +1030,11 @@
           <a:p>
             <a:pPr indent="0">
               <a:spcBef>
-                <a:spcPts val="1171"/>
+                <a:spcPts val="1417"/>
               </a:spcBef>
               <a:buNone/>
             </a:pPr>
-            <a:endParaRPr b="0" lang="en-US" sz="2640" spc="-1" strike="noStrike">
+            <a:endParaRPr b="0" lang="en-US" sz="3200" spc="-1" strike="noStrike">
               <a:solidFill>
                 <a:srgbClr val="000000"/>
               </a:solidFill>
@@ -1077,7 +1077,7 @@
         <p:txBody>
           <a:bodyPr/>
           <a:p>
-            <a:fld id="{E9021A57-4584-40CC-8C68-F66C85A382FD}" type="slidenum">
+            <a:fld id="{64264155-2F05-43B2-B52E-E37FB483187F}" type="slidenum">
               <a:t>&lt;#&gt;</a:t>
             </a:fld>
           </a:p>
@@ -1138,8 +1138,8 @@
         </p:nvSpPr>
         <p:spPr>
           <a:xfrm>
-            <a:off x="503640" y="226080"/>
-            <a:ext cx="9072360" cy="946440"/>
+            <a:off x="504000" y="226080"/>
+            <a:ext cx="9072000" cy="946440"/>
           </a:xfrm>
           <a:prstGeom prst="rect">
             <a:avLst/>
@@ -1157,7 +1157,7 @@
             <a:pPr indent="0" algn="ctr">
               <a:buNone/>
             </a:pPr>
-            <a:endParaRPr b="0" lang="en-US" sz="4000" spc="-1" strike="noStrike">
+            <a:endParaRPr b="0" lang="en-US" sz="4400" spc="-1" strike="noStrike">
               <a:solidFill>
                 <a:srgbClr val="000000"/>
               </a:solidFill>
@@ -1178,7 +1178,7 @@
         </p:nvSpPr>
         <p:spPr>
           <a:xfrm>
-            <a:off x="503640" y="1326600"/>
+            <a:off x="504000" y="1326600"/>
             <a:ext cx="2921040" cy="1568520"/>
           </a:xfrm>
           <a:prstGeom prst="rect">
@@ -1196,11 +1196,11 @@
           <a:p>
             <a:pPr indent="0">
               <a:spcBef>
-                <a:spcPts val="1171"/>
+                <a:spcPts val="1417"/>
               </a:spcBef>
               <a:buNone/>
             </a:pPr>
-            <a:endParaRPr b="0" lang="en-US" sz="2640" spc="-1" strike="noStrike">
+            <a:endParaRPr b="0" lang="en-US" sz="3200" spc="-1" strike="noStrike">
               <a:solidFill>
                 <a:srgbClr val="000000"/>
               </a:solidFill>
@@ -1221,7 +1221,7 @@
         </p:nvSpPr>
         <p:spPr>
           <a:xfrm>
-            <a:off x="3571200" y="1326600"/>
+            <a:off x="3571560" y="1326600"/>
             <a:ext cx="2921040" cy="1568520"/>
           </a:xfrm>
           <a:prstGeom prst="rect">
@@ -1239,11 +1239,11 @@
           <a:p>
             <a:pPr indent="0">
               <a:spcBef>
-                <a:spcPts val="1171"/>
+                <a:spcPts val="1417"/>
               </a:spcBef>
               <a:buNone/>
             </a:pPr>
-            <a:endParaRPr b="0" lang="en-US" sz="2640" spc="-1" strike="noStrike">
+            <a:endParaRPr b="0" lang="en-US" sz="3200" spc="-1" strike="noStrike">
               <a:solidFill>
                 <a:srgbClr val="000000"/>
               </a:solidFill>
@@ -1264,7 +1264,7 @@
         </p:nvSpPr>
         <p:spPr>
           <a:xfrm>
-            <a:off x="6638760" y="1326600"/>
+            <a:off x="6639120" y="1326600"/>
             <a:ext cx="2921040" cy="1568520"/>
           </a:xfrm>
           <a:prstGeom prst="rect">
@@ -1282,11 +1282,11 @@
           <a:p>
             <a:pPr indent="0">
               <a:spcBef>
-                <a:spcPts val="1171"/>
+                <a:spcPts val="1417"/>
               </a:spcBef>
               <a:buNone/>
             </a:pPr>
-            <a:endParaRPr b="0" lang="en-US" sz="2640" spc="-1" strike="noStrike">
+            <a:endParaRPr b="0" lang="en-US" sz="3200" spc="-1" strike="noStrike">
               <a:solidFill>
                 <a:srgbClr val="000000"/>
               </a:solidFill>
@@ -1307,7 +1307,7 @@
         </p:nvSpPr>
         <p:spPr>
           <a:xfrm>
-            <a:off x="503640" y="3044520"/>
+            <a:off x="504000" y="3044520"/>
             <a:ext cx="2921040" cy="1568520"/>
           </a:xfrm>
           <a:prstGeom prst="rect">
@@ -1325,11 +1325,11 @@
           <a:p>
             <a:pPr indent="0">
               <a:spcBef>
-                <a:spcPts val="1171"/>
+                <a:spcPts val="1417"/>
               </a:spcBef>
               <a:buNone/>
             </a:pPr>
-            <a:endParaRPr b="0" lang="en-US" sz="2640" spc="-1" strike="noStrike">
+            <a:endParaRPr b="0" lang="en-US" sz="3200" spc="-1" strike="noStrike">
               <a:solidFill>
                 <a:srgbClr val="000000"/>
               </a:solidFill>
@@ -1350,7 +1350,7 @@
         </p:nvSpPr>
         <p:spPr>
           <a:xfrm>
-            <a:off x="3571200" y="3044520"/>
+            <a:off x="3571560" y="3044520"/>
             <a:ext cx="2921040" cy="1568520"/>
           </a:xfrm>
           <a:prstGeom prst="rect">
@@ -1368,11 +1368,11 @@
           <a:p>
             <a:pPr indent="0">
               <a:spcBef>
-                <a:spcPts val="1171"/>
+                <a:spcPts val="1417"/>
               </a:spcBef>
               <a:buNone/>
             </a:pPr>
-            <a:endParaRPr b="0" lang="en-US" sz="2640" spc="-1" strike="noStrike">
+            <a:endParaRPr b="0" lang="en-US" sz="3200" spc="-1" strike="noStrike">
               <a:solidFill>
                 <a:srgbClr val="000000"/>
               </a:solidFill>
@@ -1393,7 +1393,7 @@
         </p:nvSpPr>
         <p:spPr>
           <a:xfrm>
-            <a:off x="6638760" y="3044520"/>
+            <a:off x="6639120" y="3044520"/>
             <a:ext cx="2921040" cy="1568520"/>
           </a:xfrm>
           <a:prstGeom prst="rect">
@@ -1411,11 +1411,11 @@
           <a:p>
             <a:pPr indent="0">
               <a:spcBef>
-                <a:spcPts val="1171"/>
+                <a:spcPts val="1417"/>
               </a:spcBef>
               <a:buNone/>
             </a:pPr>
-            <a:endParaRPr b="0" lang="en-US" sz="2640" spc="-1" strike="noStrike">
+            <a:endParaRPr b="0" lang="en-US" sz="3200" spc="-1" strike="noStrike">
               <a:solidFill>
                 <a:srgbClr val="000000"/>
               </a:solidFill>
@@ -1458,7 +1458,7 @@
         <p:txBody>
           <a:bodyPr/>
           <a:p>
-            <a:fld id="{A347FE53-CA41-4BFC-8403-0AA316BE6540}" type="slidenum">
+            <a:fld id="{93C0DEB4-2D5D-4CDD-AD0B-6DD512899ACB}" type="slidenum">
               <a:t>&lt;#&gt;</a:t>
             </a:fld>
           </a:p>
@@ -1541,7 +1541,7 @@
         <p:txBody>
           <a:bodyPr/>
           <a:p>
-            <a:fld id="{02F3F6C9-224B-437F-A854-3D3AB4099D55}" type="slidenum">
+            <a:fld id="{5C33A95A-7F27-4AD7-8968-5BAA824A88EA}" type="slidenum">
               <a:t>&lt;#&gt;</a:t>
             </a:fld>
           </a:p>
@@ -1602,8 +1602,8 @@
         </p:nvSpPr>
         <p:spPr>
           <a:xfrm>
-            <a:off x="503640" y="226080"/>
-            <a:ext cx="9072360" cy="946440"/>
+            <a:off x="504000" y="226080"/>
+            <a:ext cx="9072000" cy="946440"/>
           </a:xfrm>
           <a:prstGeom prst="rect">
             <a:avLst/>
@@ -1621,7 +1621,7 @@
             <a:pPr indent="0" algn="ctr">
               <a:buNone/>
             </a:pPr>
-            <a:endParaRPr b="0" lang="en-US" sz="4000" spc="-1" strike="noStrike">
+            <a:endParaRPr b="0" lang="en-US" sz="4400" spc="-1" strike="noStrike">
               <a:solidFill>
                 <a:srgbClr val="000000"/>
               </a:solidFill>
@@ -1642,8 +1642,8 @@
         </p:nvSpPr>
         <p:spPr>
           <a:xfrm>
-            <a:off x="503640" y="1326600"/>
-            <a:ext cx="9072360" cy="3288600"/>
+            <a:off x="504000" y="1326600"/>
+            <a:ext cx="9072000" cy="3288600"/>
           </a:xfrm>
           <a:prstGeom prst="rect">
             <a:avLst/>
@@ -1704,7 +1704,7 @@
         <p:txBody>
           <a:bodyPr/>
           <a:p>
-            <a:fld id="{BABB0386-95DC-485B-BEBD-2A8F41629687}" type="slidenum">
+            <a:fld id="{B0DF9D56-C513-45BB-8812-773BB37D59FC}" type="slidenum">
               <a:t>&lt;#&gt;</a:t>
             </a:fld>
           </a:p>
@@ -1765,8 +1765,8 @@
         </p:nvSpPr>
         <p:spPr>
           <a:xfrm>
-            <a:off x="503640" y="226080"/>
-            <a:ext cx="9072360" cy="946440"/>
+            <a:off x="504000" y="226080"/>
+            <a:ext cx="9072000" cy="946440"/>
           </a:xfrm>
           <a:prstGeom prst="rect">
             <a:avLst/>
@@ -1784,7 +1784,7 @@
             <a:pPr indent="0" algn="ctr">
               <a:buNone/>
             </a:pPr>
-            <a:endParaRPr b="0" lang="en-US" sz="4000" spc="-1" strike="noStrike">
+            <a:endParaRPr b="0" lang="en-US" sz="4400" spc="-1" strike="noStrike">
               <a:solidFill>
                 <a:srgbClr val="000000"/>
               </a:solidFill>
@@ -1805,8 +1805,8 @@
         </p:nvSpPr>
         <p:spPr>
           <a:xfrm>
-            <a:off x="503640" y="1326600"/>
-            <a:ext cx="9072360" cy="3288600"/>
+            <a:off x="504000" y="1326600"/>
+            <a:ext cx="9072000" cy="3288600"/>
           </a:xfrm>
           <a:prstGeom prst="rect">
             <a:avLst/>
@@ -1823,11 +1823,11 @@
           <a:p>
             <a:pPr indent="0">
               <a:spcBef>
-                <a:spcPts val="1171"/>
+                <a:spcPts val="1417"/>
               </a:spcBef>
               <a:buNone/>
             </a:pPr>
-            <a:endParaRPr b="0" lang="en-US" sz="2640" spc="-1" strike="noStrike">
+            <a:endParaRPr b="0" lang="en-US" sz="3200" spc="-1" strike="noStrike">
               <a:solidFill>
                 <a:srgbClr val="000000"/>
               </a:solidFill>
@@ -1870,7 +1870,7 @@
         <p:txBody>
           <a:bodyPr/>
           <a:p>
-            <a:fld id="{E1ECDA05-17E4-4000-9576-D6A5821B5EEA}" type="slidenum">
+            <a:fld id="{2E372B06-C123-4468-9F50-22155FA8FE7D}" type="slidenum">
               <a:t>&lt;#&gt;</a:t>
             </a:fld>
           </a:p>
@@ -1931,8 +1931,8 @@
         </p:nvSpPr>
         <p:spPr>
           <a:xfrm>
-            <a:off x="503640" y="226080"/>
-            <a:ext cx="9072360" cy="946440"/>
+            <a:off x="504000" y="226080"/>
+            <a:ext cx="9072000" cy="946440"/>
           </a:xfrm>
           <a:prstGeom prst="rect">
             <a:avLst/>
@@ -1950,7 +1950,7 @@
             <a:pPr indent="0" algn="ctr">
               <a:buNone/>
             </a:pPr>
-            <a:endParaRPr b="0" lang="en-US" sz="4000" spc="-1" strike="noStrike">
+            <a:endParaRPr b="0" lang="en-US" sz="4400" spc="-1" strike="noStrike">
               <a:solidFill>
                 <a:srgbClr val="000000"/>
               </a:solidFill>
@@ -1971,8 +1971,8 @@
         </p:nvSpPr>
         <p:spPr>
           <a:xfrm>
-            <a:off x="503640" y="1326600"/>
-            <a:ext cx="4427280" cy="3288600"/>
+            <a:off x="504000" y="1326600"/>
+            <a:ext cx="4426920" cy="3288600"/>
           </a:xfrm>
           <a:prstGeom prst="rect">
             <a:avLst/>
@@ -1989,11 +1989,11 @@
           <a:p>
             <a:pPr indent="0">
               <a:spcBef>
-                <a:spcPts val="1171"/>
+                <a:spcPts val="1417"/>
               </a:spcBef>
               <a:buNone/>
             </a:pPr>
-            <a:endParaRPr b="0" lang="en-US" sz="2640" spc="-1" strike="noStrike">
+            <a:endParaRPr b="0" lang="en-US" sz="3200" spc="-1" strike="noStrike">
               <a:solidFill>
                 <a:srgbClr val="000000"/>
               </a:solidFill>
@@ -2015,7 +2015,7 @@
         <p:spPr>
           <a:xfrm>
             <a:off x="5152680" y="1326600"/>
-            <a:ext cx="4427280" cy="3288600"/>
+            <a:ext cx="4426920" cy="3288600"/>
           </a:xfrm>
           <a:prstGeom prst="rect">
             <a:avLst/>
@@ -2032,11 +2032,11 @@
           <a:p>
             <a:pPr indent="0">
               <a:spcBef>
-                <a:spcPts val="1171"/>
+                <a:spcPts val="1417"/>
               </a:spcBef>
               <a:buNone/>
             </a:pPr>
-            <a:endParaRPr b="0" lang="en-US" sz="2640" spc="-1" strike="noStrike">
+            <a:endParaRPr b="0" lang="en-US" sz="3200" spc="-1" strike="noStrike">
               <a:solidFill>
                 <a:srgbClr val="000000"/>
               </a:solidFill>
@@ -2079,7 +2079,7 @@
         <p:txBody>
           <a:bodyPr/>
           <a:p>
-            <a:fld id="{C33268B3-5438-4B33-B39E-0E5EAB1B36FE}" type="slidenum">
+            <a:fld id="{0D510C37-8D5E-496A-A19C-EC887C5EAB9E}" type="slidenum">
               <a:t>&lt;#&gt;</a:t>
             </a:fld>
           </a:p>
@@ -2140,8 +2140,8 @@
         </p:nvSpPr>
         <p:spPr>
           <a:xfrm>
-            <a:off x="503640" y="226080"/>
-            <a:ext cx="9072360" cy="946440"/>
+            <a:off x="504000" y="226080"/>
+            <a:ext cx="9072000" cy="946440"/>
           </a:xfrm>
           <a:prstGeom prst="rect">
             <a:avLst/>
@@ -2159,7 +2159,7 @@
             <a:pPr indent="0" algn="ctr">
               <a:buNone/>
             </a:pPr>
-            <a:endParaRPr b="0" lang="en-US" sz="4000" spc="-1" strike="noStrike">
+            <a:endParaRPr b="0" lang="en-US" sz="4400" spc="-1" strike="noStrike">
               <a:solidFill>
                 <a:srgbClr val="000000"/>
               </a:solidFill>
@@ -2202,7 +2202,7 @@
         <p:txBody>
           <a:bodyPr/>
           <a:p>
-            <a:fld id="{8B0F9D55-6321-4978-A6A7-8B4BB1C9C632}" type="slidenum">
+            <a:fld id="{AC5E9F5F-2120-4EE3-A476-8C612478EA73}" type="slidenum">
               <a:t>&lt;#&gt;</a:t>
             </a:fld>
           </a:p>
@@ -2263,8 +2263,8 @@
         </p:nvSpPr>
         <p:spPr>
           <a:xfrm>
-            <a:off x="503640" y="226080"/>
-            <a:ext cx="9072360" cy="4388400"/>
+            <a:off x="504000" y="226080"/>
+            <a:ext cx="9072000" cy="4388400"/>
           </a:xfrm>
           <a:prstGeom prst="rect">
             <a:avLst/>
@@ -2323,7 +2323,7 @@
         <p:txBody>
           <a:bodyPr/>
           <a:p>
-            <a:fld id="{FE02F1B5-9C58-471B-B9D2-B925E1BC90F0}" type="slidenum">
+            <a:fld id="{C52CC62A-A5B6-459A-8C48-DA70FB3D508D}" type="slidenum">
               <a:t>&lt;#&gt;</a:t>
             </a:fld>
           </a:p>
@@ -2384,8 +2384,8 @@
         </p:nvSpPr>
         <p:spPr>
           <a:xfrm>
-            <a:off x="503640" y="226080"/>
-            <a:ext cx="9072360" cy="946440"/>
+            <a:off x="504000" y="226080"/>
+            <a:ext cx="9072000" cy="946440"/>
           </a:xfrm>
           <a:prstGeom prst="rect">
             <a:avLst/>
@@ -2403,7 +2403,7 @@
             <a:pPr indent="0" algn="ctr">
               <a:buNone/>
             </a:pPr>
-            <a:endParaRPr b="0" lang="en-US" sz="4000" spc="-1" strike="noStrike">
+            <a:endParaRPr b="0" lang="en-US" sz="4400" spc="-1" strike="noStrike">
               <a:solidFill>
                 <a:srgbClr val="000000"/>
               </a:solidFill>
@@ -2424,8 +2424,8 @@
         </p:nvSpPr>
         <p:spPr>
           <a:xfrm>
-            <a:off x="503640" y="1326600"/>
-            <a:ext cx="4427280" cy="1568520"/>
+            <a:off x="504000" y="1326600"/>
+            <a:ext cx="4426920" cy="1568520"/>
           </a:xfrm>
           <a:prstGeom prst="rect">
             <a:avLst/>
@@ -2442,11 +2442,11 @@
           <a:p>
             <a:pPr indent="0">
               <a:spcBef>
-                <a:spcPts val="1171"/>
+                <a:spcPts val="1417"/>
               </a:spcBef>
               <a:buNone/>
             </a:pPr>
-            <a:endParaRPr b="0" lang="en-US" sz="2640" spc="-1" strike="noStrike">
+            <a:endParaRPr b="0" lang="en-US" sz="3200" spc="-1" strike="noStrike">
               <a:solidFill>
                 <a:srgbClr val="000000"/>
               </a:solidFill>
@@ -2468,7 +2468,7 @@
         <p:spPr>
           <a:xfrm>
             <a:off x="5152680" y="1326600"/>
-            <a:ext cx="4427280" cy="3288600"/>
+            <a:ext cx="4426920" cy="3288600"/>
           </a:xfrm>
           <a:prstGeom prst="rect">
             <a:avLst/>
@@ -2485,11 +2485,11 @@
           <a:p>
             <a:pPr indent="0">
               <a:spcBef>
-                <a:spcPts val="1171"/>
+                <a:spcPts val="1417"/>
               </a:spcBef>
               <a:buNone/>
             </a:pPr>
-            <a:endParaRPr b="0" lang="en-US" sz="2640" spc="-1" strike="noStrike">
+            <a:endParaRPr b="0" lang="en-US" sz="3200" spc="-1" strike="noStrike">
               <a:solidFill>
                 <a:srgbClr val="000000"/>
               </a:solidFill>
@@ -2510,8 +2510,8 @@
         </p:nvSpPr>
         <p:spPr>
           <a:xfrm>
-            <a:off x="503640" y="3044520"/>
-            <a:ext cx="4427280" cy="1568520"/>
+            <a:off x="504000" y="3044520"/>
+            <a:ext cx="4426920" cy="1568520"/>
           </a:xfrm>
           <a:prstGeom prst="rect">
             <a:avLst/>
@@ -2528,11 +2528,11 @@
           <a:p>
             <a:pPr indent="0">
               <a:spcBef>
-                <a:spcPts val="1171"/>
+                <a:spcPts val="1417"/>
               </a:spcBef>
               <a:buNone/>
             </a:pPr>
-            <a:endParaRPr b="0" lang="en-US" sz="2640" spc="-1" strike="noStrike">
+            <a:endParaRPr b="0" lang="en-US" sz="3200" spc="-1" strike="noStrike">
               <a:solidFill>
                 <a:srgbClr val="000000"/>
               </a:solidFill>
@@ -2575,7 +2575,7 @@
         <p:txBody>
           <a:bodyPr/>
           <a:p>
-            <a:fld id="{233FCEA9-F519-4FDE-A2EB-C15CDA1270AE}" type="slidenum">
+            <a:fld id="{AC1D1378-C673-4D54-86A3-26DB368C14C3}" type="slidenum">
               <a:t>&lt;#&gt;</a:t>
             </a:fld>
           </a:p>
@@ -2636,8 +2636,8 @@
         </p:nvSpPr>
         <p:spPr>
           <a:xfrm>
-            <a:off x="503640" y="226080"/>
-            <a:ext cx="9072360" cy="946440"/>
+            <a:off x="504000" y="226080"/>
+            <a:ext cx="9072000" cy="946440"/>
           </a:xfrm>
           <a:prstGeom prst="rect">
             <a:avLst/>
@@ -2655,7 +2655,7 @@
             <a:pPr indent="0" algn="ctr">
               <a:buNone/>
             </a:pPr>
-            <a:endParaRPr b="0" lang="en-US" sz="4000" spc="-1" strike="noStrike">
+            <a:endParaRPr b="0" lang="en-US" sz="4400" spc="-1" strike="noStrike">
               <a:solidFill>
                 <a:srgbClr val="000000"/>
               </a:solidFill>
@@ -2676,8 +2676,8 @@
         </p:nvSpPr>
         <p:spPr>
           <a:xfrm>
-            <a:off x="503640" y="1326600"/>
-            <a:ext cx="9072360" cy="3288600"/>
+            <a:off x="504000" y="1326600"/>
+            <a:ext cx="9072000" cy="3288600"/>
           </a:xfrm>
           <a:prstGeom prst="rect">
             <a:avLst/>
@@ -2738,7 +2738,7 @@
         <p:txBody>
           <a:bodyPr/>
           <a:p>
-            <a:fld id="{7DDD1C6E-C8FA-4B29-A34D-B9BF76A094CF}" type="slidenum">
+            <a:fld id="{E4E409AC-4514-47AB-BD58-AC3886992171}" type="slidenum">
               <a:t>&lt;#&gt;</a:t>
             </a:fld>
           </a:p>
@@ -2799,8 +2799,8 @@
         </p:nvSpPr>
         <p:spPr>
           <a:xfrm>
-            <a:off x="503640" y="226080"/>
-            <a:ext cx="9072360" cy="946440"/>
+            <a:off x="504000" y="226080"/>
+            <a:ext cx="9072000" cy="946440"/>
           </a:xfrm>
           <a:prstGeom prst="rect">
             <a:avLst/>
@@ -2818,7 +2818,7 @@
             <a:pPr indent="0" algn="ctr">
               <a:buNone/>
             </a:pPr>
-            <a:endParaRPr b="0" lang="en-US" sz="4000" spc="-1" strike="noStrike">
+            <a:endParaRPr b="0" lang="en-US" sz="4400" spc="-1" strike="noStrike">
               <a:solidFill>
                 <a:srgbClr val="000000"/>
               </a:solidFill>
@@ -2839,8 +2839,8 @@
         </p:nvSpPr>
         <p:spPr>
           <a:xfrm>
-            <a:off x="503640" y="1326600"/>
-            <a:ext cx="4427280" cy="3288600"/>
+            <a:off x="504000" y="1326600"/>
+            <a:ext cx="4426920" cy="3288600"/>
           </a:xfrm>
           <a:prstGeom prst="rect">
             <a:avLst/>
@@ -2857,11 +2857,11 @@
           <a:p>
             <a:pPr indent="0">
               <a:spcBef>
-                <a:spcPts val="1171"/>
+                <a:spcPts val="1417"/>
               </a:spcBef>
               <a:buNone/>
             </a:pPr>
-            <a:endParaRPr b="0" lang="en-US" sz="2640" spc="-1" strike="noStrike">
+            <a:endParaRPr b="0" lang="en-US" sz="3200" spc="-1" strike="noStrike">
               <a:solidFill>
                 <a:srgbClr val="000000"/>
               </a:solidFill>
@@ -2883,7 +2883,7 @@
         <p:spPr>
           <a:xfrm>
             <a:off x="5152680" y="1326600"/>
-            <a:ext cx="4427280" cy="1568520"/>
+            <a:ext cx="4426920" cy="1568520"/>
           </a:xfrm>
           <a:prstGeom prst="rect">
             <a:avLst/>
@@ -2900,11 +2900,11 @@
           <a:p>
             <a:pPr indent="0">
               <a:spcBef>
-                <a:spcPts val="1171"/>
+                <a:spcPts val="1417"/>
               </a:spcBef>
               <a:buNone/>
             </a:pPr>
-            <a:endParaRPr b="0" lang="en-US" sz="2640" spc="-1" strike="noStrike">
+            <a:endParaRPr b="0" lang="en-US" sz="3200" spc="-1" strike="noStrike">
               <a:solidFill>
                 <a:srgbClr val="000000"/>
               </a:solidFill>
@@ -2926,7 +2926,7 @@
         <p:spPr>
           <a:xfrm>
             <a:off x="5152680" y="3044520"/>
-            <a:ext cx="4427280" cy="1568520"/>
+            <a:ext cx="4426920" cy="1568520"/>
           </a:xfrm>
           <a:prstGeom prst="rect">
             <a:avLst/>
@@ -2943,11 +2943,11 @@
           <a:p>
             <a:pPr indent="0">
               <a:spcBef>
-                <a:spcPts val="1171"/>
+                <a:spcPts val="1417"/>
               </a:spcBef>
               <a:buNone/>
             </a:pPr>
-            <a:endParaRPr b="0" lang="en-US" sz="2640" spc="-1" strike="noStrike">
+            <a:endParaRPr b="0" lang="en-US" sz="3200" spc="-1" strike="noStrike">
               <a:solidFill>
                 <a:srgbClr val="000000"/>
               </a:solidFill>
@@ -2990,7 +2990,7 @@
         <p:txBody>
           <a:bodyPr/>
           <a:p>
-            <a:fld id="{24BA2CC8-B6B5-4E75-BEEF-B2B428C5C888}" type="slidenum">
+            <a:fld id="{E0DFA43C-101E-4E2E-8C68-3F5DC59FDF0C}" type="slidenum">
               <a:t>&lt;#&gt;</a:t>
             </a:fld>
           </a:p>
@@ -3051,8 +3051,8 @@
         </p:nvSpPr>
         <p:spPr>
           <a:xfrm>
-            <a:off x="503640" y="226080"/>
-            <a:ext cx="9072360" cy="946440"/>
+            <a:off x="504000" y="226080"/>
+            <a:ext cx="9072000" cy="946440"/>
           </a:xfrm>
           <a:prstGeom prst="rect">
             <a:avLst/>
@@ -3070,7 +3070,7 @@
             <a:pPr indent="0" algn="ctr">
               <a:buNone/>
             </a:pPr>
-            <a:endParaRPr b="0" lang="en-US" sz="4000" spc="-1" strike="noStrike">
+            <a:endParaRPr b="0" lang="en-US" sz="4400" spc="-1" strike="noStrike">
               <a:solidFill>
                 <a:srgbClr val="000000"/>
               </a:solidFill>
@@ -3091,8 +3091,8 @@
         </p:nvSpPr>
         <p:spPr>
           <a:xfrm>
-            <a:off x="503640" y="1326600"/>
-            <a:ext cx="4427280" cy="1568520"/>
+            <a:off x="504000" y="1326600"/>
+            <a:ext cx="4426920" cy="1568520"/>
           </a:xfrm>
           <a:prstGeom prst="rect">
             <a:avLst/>
@@ -3109,11 +3109,11 @@
           <a:p>
             <a:pPr indent="0">
               <a:spcBef>
-                <a:spcPts val="1171"/>
+                <a:spcPts val="1417"/>
               </a:spcBef>
               <a:buNone/>
             </a:pPr>
-            <a:endParaRPr b="0" lang="en-US" sz="2640" spc="-1" strike="noStrike">
+            <a:endParaRPr b="0" lang="en-US" sz="3200" spc="-1" strike="noStrike">
               <a:solidFill>
                 <a:srgbClr val="000000"/>
               </a:solidFill>
@@ -3135,7 +3135,7 @@
         <p:spPr>
           <a:xfrm>
             <a:off x="5152680" y="1326600"/>
-            <a:ext cx="4427280" cy="1568520"/>
+            <a:ext cx="4426920" cy="1568520"/>
           </a:xfrm>
           <a:prstGeom prst="rect">
             <a:avLst/>
@@ -3152,11 +3152,11 @@
           <a:p>
             <a:pPr indent="0">
               <a:spcBef>
-                <a:spcPts val="1171"/>
+                <a:spcPts val="1417"/>
               </a:spcBef>
               <a:buNone/>
             </a:pPr>
-            <a:endParaRPr b="0" lang="en-US" sz="2640" spc="-1" strike="noStrike">
+            <a:endParaRPr b="0" lang="en-US" sz="3200" spc="-1" strike="noStrike">
               <a:solidFill>
                 <a:srgbClr val="000000"/>
               </a:solidFill>
@@ -3177,8 +3177,8 @@
         </p:nvSpPr>
         <p:spPr>
           <a:xfrm>
-            <a:off x="503640" y="3044520"/>
-            <a:ext cx="9072360" cy="1568520"/>
+            <a:off x="504000" y="3044520"/>
+            <a:ext cx="9072000" cy="1568520"/>
           </a:xfrm>
           <a:prstGeom prst="rect">
             <a:avLst/>
@@ -3195,11 +3195,11 @@
           <a:p>
             <a:pPr indent="0">
               <a:spcBef>
-                <a:spcPts val="1171"/>
+                <a:spcPts val="1417"/>
               </a:spcBef>
               <a:buNone/>
             </a:pPr>
-            <a:endParaRPr b="0" lang="en-US" sz="2640" spc="-1" strike="noStrike">
+            <a:endParaRPr b="0" lang="en-US" sz="3200" spc="-1" strike="noStrike">
               <a:solidFill>
                 <a:srgbClr val="000000"/>
               </a:solidFill>
@@ -3242,7 +3242,7 @@
         <p:txBody>
           <a:bodyPr/>
           <a:p>
-            <a:fld id="{2DDC9926-834F-4EED-A685-4EFD99157309}" type="slidenum">
+            <a:fld id="{D495A6EB-1731-4667-84CE-F23CC29C628D}" type="slidenum">
               <a:t>&lt;#&gt;</a:t>
             </a:fld>
           </a:p>
@@ -3303,8 +3303,8 @@
         </p:nvSpPr>
         <p:spPr>
           <a:xfrm>
-            <a:off x="503640" y="226080"/>
-            <a:ext cx="9072360" cy="946440"/>
+            <a:off x="504000" y="226080"/>
+            <a:ext cx="9072000" cy="946440"/>
           </a:xfrm>
           <a:prstGeom prst="rect">
             <a:avLst/>
@@ -3322,7 +3322,7 @@
             <a:pPr indent="0" algn="ctr">
               <a:buNone/>
             </a:pPr>
-            <a:endParaRPr b="0" lang="en-US" sz="4000" spc="-1" strike="noStrike">
+            <a:endParaRPr b="0" lang="en-US" sz="4400" spc="-1" strike="noStrike">
               <a:solidFill>
                 <a:srgbClr val="000000"/>
               </a:solidFill>
@@ -3343,8 +3343,8 @@
         </p:nvSpPr>
         <p:spPr>
           <a:xfrm>
-            <a:off x="503640" y="1326600"/>
-            <a:ext cx="9072360" cy="1568520"/>
+            <a:off x="504000" y="1326600"/>
+            <a:ext cx="9072000" cy="1568520"/>
           </a:xfrm>
           <a:prstGeom prst="rect">
             <a:avLst/>
@@ -3361,11 +3361,11 @@
           <a:p>
             <a:pPr indent="0">
               <a:spcBef>
-                <a:spcPts val="1171"/>
+                <a:spcPts val="1417"/>
               </a:spcBef>
               <a:buNone/>
             </a:pPr>
-            <a:endParaRPr b="0" lang="en-US" sz="2640" spc="-1" strike="noStrike">
+            <a:endParaRPr b="0" lang="en-US" sz="3200" spc="-1" strike="noStrike">
               <a:solidFill>
                 <a:srgbClr val="000000"/>
               </a:solidFill>
@@ -3386,8 +3386,8 @@
         </p:nvSpPr>
         <p:spPr>
           <a:xfrm>
-            <a:off x="503640" y="3044520"/>
-            <a:ext cx="9072360" cy="1568520"/>
+            <a:off x="504000" y="3044520"/>
+            <a:ext cx="9072000" cy="1568520"/>
           </a:xfrm>
           <a:prstGeom prst="rect">
             <a:avLst/>
@@ -3404,11 +3404,11 @@
           <a:p>
             <a:pPr indent="0">
               <a:spcBef>
-                <a:spcPts val="1171"/>
+                <a:spcPts val="1417"/>
               </a:spcBef>
               <a:buNone/>
             </a:pPr>
-            <a:endParaRPr b="0" lang="en-US" sz="2640" spc="-1" strike="noStrike">
+            <a:endParaRPr b="0" lang="en-US" sz="3200" spc="-1" strike="noStrike">
               <a:solidFill>
                 <a:srgbClr val="000000"/>
               </a:solidFill>
@@ -3451,7 +3451,7 @@
         <p:txBody>
           <a:bodyPr/>
           <a:p>
-            <a:fld id="{AE32A3E8-1E5B-4959-AB68-67E23C48FF7C}" type="slidenum">
+            <a:fld id="{07683B18-96DD-4517-8765-3AACF0C053AD}" type="slidenum">
               <a:t>&lt;#&gt;</a:t>
             </a:fld>
           </a:p>
@@ -3512,8 +3512,8 @@
         </p:nvSpPr>
         <p:spPr>
           <a:xfrm>
-            <a:off x="503640" y="226080"/>
-            <a:ext cx="9072360" cy="946440"/>
+            <a:off x="504000" y="226080"/>
+            <a:ext cx="9072000" cy="946440"/>
           </a:xfrm>
           <a:prstGeom prst="rect">
             <a:avLst/>
@@ -3531,7 +3531,7 @@
             <a:pPr indent="0" algn="ctr">
               <a:buNone/>
             </a:pPr>
-            <a:endParaRPr b="0" lang="en-US" sz="4000" spc="-1" strike="noStrike">
+            <a:endParaRPr b="0" lang="en-US" sz="4400" spc="-1" strike="noStrike">
               <a:solidFill>
                 <a:srgbClr val="000000"/>
               </a:solidFill>
@@ -3552,8 +3552,8 @@
         </p:nvSpPr>
         <p:spPr>
           <a:xfrm>
-            <a:off x="503640" y="1326600"/>
-            <a:ext cx="4427280" cy="1568520"/>
+            <a:off x="504000" y="1326600"/>
+            <a:ext cx="4426920" cy="1568520"/>
           </a:xfrm>
           <a:prstGeom prst="rect">
             <a:avLst/>
@@ -3570,11 +3570,11 @@
           <a:p>
             <a:pPr indent="0">
               <a:spcBef>
-                <a:spcPts val="1171"/>
+                <a:spcPts val="1417"/>
               </a:spcBef>
               <a:buNone/>
             </a:pPr>
-            <a:endParaRPr b="0" lang="en-US" sz="2640" spc="-1" strike="noStrike">
+            <a:endParaRPr b="0" lang="en-US" sz="3200" spc="-1" strike="noStrike">
               <a:solidFill>
                 <a:srgbClr val="000000"/>
               </a:solidFill>
@@ -3596,7 +3596,7 @@
         <p:spPr>
           <a:xfrm>
             <a:off x="5152680" y="1326600"/>
-            <a:ext cx="4427280" cy="1568520"/>
+            <a:ext cx="4426920" cy="1568520"/>
           </a:xfrm>
           <a:prstGeom prst="rect">
             <a:avLst/>
@@ -3613,11 +3613,11 @@
           <a:p>
             <a:pPr indent="0">
               <a:spcBef>
-                <a:spcPts val="1171"/>
+                <a:spcPts val="1417"/>
               </a:spcBef>
               <a:buNone/>
             </a:pPr>
-            <a:endParaRPr b="0" lang="en-US" sz="2640" spc="-1" strike="noStrike">
+            <a:endParaRPr b="0" lang="en-US" sz="3200" spc="-1" strike="noStrike">
               <a:solidFill>
                 <a:srgbClr val="000000"/>
               </a:solidFill>
@@ -3638,8 +3638,8 @@
         </p:nvSpPr>
         <p:spPr>
           <a:xfrm>
-            <a:off x="503640" y="3044520"/>
-            <a:ext cx="4427280" cy="1568520"/>
+            <a:off x="504000" y="3044520"/>
+            <a:ext cx="4426920" cy="1568520"/>
           </a:xfrm>
           <a:prstGeom prst="rect">
             <a:avLst/>
@@ -3656,11 +3656,11 @@
           <a:p>
             <a:pPr indent="0">
               <a:spcBef>
-                <a:spcPts val="1171"/>
+                <a:spcPts val="1417"/>
               </a:spcBef>
               <a:buNone/>
             </a:pPr>
-            <a:endParaRPr b="0" lang="en-US" sz="2640" spc="-1" strike="noStrike">
+            <a:endParaRPr b="0" lang="en-US" sz="3200" spc="-1" strike="noStrike">
               <a:solidFill>
                 <a:srgbClr val="000000"/>
               </a:solidFill>
@@ -3682,7 +3682,7 @@
         <p:spPr>
           <a:xfrm>
             <a:off x="5152680" y="3044520"/>
-            <a:ext cx="4427280" cy="1568520"/>
+            <a:ext cx="4426920" cy="1568520"/>
           </a:xfrm>
           <a:prstGeom prst="rect">
             <a:avLst/>
@@ -3699,11 +3699,11 @@
           <a:p>
             <a:pPr indent="0">
               <a:spcBef>
-                <a:spcPts val="1171"/>
+                <a:spcPts val="1417"/>
               </a:spcBef>
               <a:buNone/>
             </a:pPr>
-            <a:endParaRPr b="0" lang="en-US" sz="2640" spc="-1" strike="noStrike">
+            <a:endParaRPr b="0" lang="en-US" sz="3200" spc="-1" strike="noStrike">
               <a:solidFill>
                 <a:srgbClr val="000000"/>
               </a:solidFill>
@@ -3746,7 +3746,7 @@
         <p:txBody>
           <a:bodyPr/>
           <a:p>
-            <a:fld id="{3ED8BF3E-3904-4B7E-A771-9353E167B636}" type="slidenum">
+            <a:fld id="{284CE344-6D73-4D7F-BFE3-461887B19802}" type="slidenum">
               <a:t>&lt;#&gt;</a:t>
             </a:fld>
           </a:p>
@@ -3807,8 +3807,8 @@
         </p:nvSpPr>
         <p:spPr>
           <a:xfrm>
-            <a:off x="503640" y="226080"/>
-            <a:ext cx="9072360" cy="946440"/>
+            <a:off x="504000" y="226080"/>
+            <a:ext cx="9072000" cy="946440"/>
           </a:xfrm>
           <a:prstGeom prst="rect">
             <a:avLst/>
@@ -3826,7 +3826,7 @@
             <a:pPr indent="0" algn="ctr">
               <a:buNone/>
             </a:pPr>
-            <a:endParaRPr b="0" lang="en-US" sz="4000" spc="-1" strike="noStrike">
+            <a:endParaRPr b="0" lang="en-US" sz="4400" spc="-1" strike="noStrike">
               <a:solidFill>
                 <a:srgbClr val="000000"/>
               </a:solidFill>
@@ -3847,7 +3847,7 @@
         </p:nvSpPr>
         <p:spPr>
           <a:xfrm>
-            <a:off x="503640" y="1326600"/>
+            <a:off x="504000" y="1326600"/>
             <a:ext cx="2921040" cy="1568520"/>
           </a:xfrm>
           <a:prstGeom prst="rect">
@@ -3865,11 +3865,11 @@
           <a:p>
             <a:pPr indent="0">
               <a:spcBef>
-                <a:spcPts val="1171"/>
+                <a:spcPts val="1417"/>
               </a:spcBef>
               <a:buNone/>
             </a:pPr>
-            <a:endParaRPr b="0" lang="en-US" sz="2640" spc="-1" strike="noStrike">
+            <a:endParaRPr b="0" lang="en-US" sz="3200" spc="-1" strike="noStrike">
               <a:solidFill>
                 <a:srgbClr val="000000"/>
               </a:solidFill>
@@ -3890,7 +3890,7 @@
         </p:nvSpPr>
         <p:spPr>
           <a:xfrm>
-            <a:off x="3571200" y="1326600"/>
+            <a:off x="3571560" y="1326600"/>
             <a:ext cx="2921040" cy="1568520"/>
           </a:xfrm>
           <a:prstGeom prst="rect">
@@ -3908,11 +3908,11 @@
           <a:p>
             <a:pPr indent="0">
               <a:spcBef>
-                <a:spcPts val="1171"/>
+                <a:spcPts val="1417"/>
               </a:spcBef>
               <a:buNone/>
             </a:pPr>
-            <a:endParaRPr b="0" lang="en-US" sz="2640" spc="-1" strike="noStrike">
+            <a:endParaRPr b="0" lang="en-US" sz="3200" spc="-1" strike="noStrike">
               <a:solidFill>
                 <a:srgbClr val="000000"/>
               </a:solidFill>
@@ -3933,7 +3933,7 @@
         </p:nvSpPr>
         <p:spPr>
           <a:xfrm>
-            <a:off x="6638760" y="1326600"/>
+            <a:off x="6639120" y="1326600"/>
             <a:ext cx="2921040" cy="1568520"/>
           </a:xfrm>
           <a:prstGeom prst="rect">
@@ -3951,11 +3951,11 @@
           <a:p>
             <a:pPr indent="0">
               <a:spcBef>
-                <a:spcPts val="1171"/>
+                <a:spcPts val="1417"/>
               </a:spcBef>
               <a:buNone/>
             </a:pPr>
-            <a:endParaRPr b="0" lang="en-US" sz="2640" spc="-1" strike="noStrike">
+            <a:endParaRPr b="0" lang="en-US" sz="3200" spc="-1" strike="noStrike">
               <a:solidFill>
                 <a:srgbClr val="000000"/>
               </a:solidFill>
@@ -3976,7 +3976,7 @@
         </p:nvSpPr>
         <p:spPr>
           <a:xfrm>
-            <a:off x="503640" y="3044520"/>
+            <a:off x="504000" y="3044520"/>
             <a:ext cx="2921040" cy="1568520"/>
           </a:xfrm>
           <a:prstGeom prst="rect">
@@ -3994,11 +3994,11 @@
           <a:p>
             <a:pPr indent="0">
               <a:spcBef>
-                <a:spcPts val="1171"/>
+                <a:spcPts val="1417"/>
               </a:spcBef>
               <a:buNone/>
             </a:pPr>
-            <a:endParaRPr b="0" lang="en-US" sz="2640" spc="-1" strike="noStrike">
+            <a:endParaRPr b="0" lang="en-US" sz="3200" spc="-1" strike="noStrike">
               <a:solidFill>
                 <a:srgbClr val="000000"/>
               </a:solidFill>
@@ -4019,7 +4019,7 @@
         </p:nvSpPr>
         <p:spPr>
           <a:xfrm>
-            <a:off x="3571200" y="3044520"/>
+            <a:off x="3571560" y="3044520"/>
             <a:ext cx="2921040" cy="1568520"/>
           </a:xfrm>
           <a:prstGeom prst="rect">
@@ -4037,11 +4037,11 @@
           <a:p>
             <a:pPr indent="0">
               <a:spcBef>
-                <a:spcPts val="1171"/>
+                <a:spcPts val="1417"/>
               </a:spcBef>
               <a:buNone/>
             </a:pPr>
-            <a:endParaRPr b="0" lang="en-US" sz="2640" spc="-1" strike="noStrike">
+            <a:endParaRPr b="0" lang="en-US" sz="3200" spc="-1" strike="noStrike">
               <a:solidFill>
                 <a:srgbClr val="000000"/>
               </a:solidFill>
@@ -4062,7 +4062,7 @@
         </p:nvSpPr>
         <p:spPr>
           <a:xfrm>
-            <a:off x="6638760" y="3044520"/>
+            <a:off x="6639120" y="3044520"/>
             <a:ext cx="2921040" cy="1568520"/>
           </a:xfrm>
           <a:prstGeom prst="rect">
@@ -4080,11 +4080,11 @@
           <a:p>
             <a:pPr indent="0">
               <a:spcBef>
-                <a:spcPts val="1171"/>
+                <a:spcPts val="1417"/>
               </a:spcBef>
               <a:buNone/>
             </a:pPr>
-            <a:endParaRPr b="0" lang="en-US" sz="2640" spc="-1" strike="noStrike">
+            <a:endParaRPr b="0" lang="en-US" sz="3200" spc="-1" strike="noStrike">
               <a:solidFill>
                 <a:srgbClr val="000000"/>
               </a:solidFill>
@@ -4127,7 +4127,7 @@
         <p:txBody>
           <a:bodyPr/>
           <a:p>
-            <a:fld id="{5276B226-0CF3-4124-8DC7-4BE473B85336}" type="slidenum">
+            <a:fld id="{F8C8D02F-B53C-458D-97F6-75E37D93347A}" type="slidenum">
               <a:t>&lt;#&gt;</a:t>
             </a:fld>
           </a:p>
@@ -4188,8 +4188,8 @@
         </p:nvSpPr>
         <p:spPr>
           <a:xfrm>
-            <a:off x="503640" y="226080"/>
-            <a:ext cx="9072360" cy="946440"/>
+            <a:off x="504000" y="226080"/>
+            <a:ext cx="9072000" cy="946440"/>
           </a:xfrm>
           <a:prstGeom prst="rect">
             <a:avLst/>
@@ -4207,7 +4207,7 @@
             <a:pPr indent="0" algn="ctr">
               <a:buNone/>
             </a:pPr>
-            <a:endParaRPr b="0" lang="en-US" sz="4000" spc="-1" strike="noStrike">
+            <a:endParaRPr b="0" lang="en-US" sz="4400" spc="-1" strike="noStrike">
               <a:solidFill>
                 <a:srgbClr val="000000"/>
               </a:solidFill>
@@ -4228,8 +4228,8 @@
         </p:nvSpPr>
         <p:spPr>
           <a:xfrm>
-            <a:off x="503640" y="1326600"/>
-            <a:ext cx="9072360" cy="3288600"/>
+            <a:off x="504000" y="1326600"/>
+            <a:ext cx="9072000" cy="3288600"/>
           </a:xfrm>
           <a:prstGeom prst="rect">
             <a:avLst/>
@@ -4246,11 +4246,11 @@
           <a:p>
             <a:pPr indent="0">
               <a:spcBef>
-                <a:spcPts val="1171"/>
+                <a:spcPts val="1417"/>
               </a:spcBef>
               <a:buNone/>
             </a:pPr>
-            <a:endParaRPr b="0" lang="en-US" sz="2640" spc="-1" strike="noStrike">
+            <a:endParaRPr b="0" lang="en-US" sz="3200" spc="-1" strike="noStrike">
               <a:solidFill>
                 <a:srgbClr val="000000"/>
               </a:solidFill>
@@ -4293,7 +4293,7 @@
         <p:txBody>
           <a:bodyPr/>
           <a:p>
-            <a:fld id="{FAA0C479-A748-4BB9-8E96-E784808AB339}" type="slidenum">
+            <a:fld id="{4AC4DB52-9169-4D8F-BC15-9F35CCEF2A1C}" type="slidenum">
               <a:t>&lt;#&gt;</a:t>
             </a:fld>
           </a:p>
@@ -4354,8 +4354,8 @@
         </p:nvSpPr>
         <p:spPr>
           <a:xfrm>
-            <a:off x="503640" y="226080"/>
-            <a:ext cx="9072360" cy="946440"/>
+            <a:off x="504000" y="226080"/>
+            <a:ext cx="9072000" cy="946440"/>
           </a:xfrm>
           <a:prstGeom prst="rect">
             <a:avLst/>
@@ -4373,7 +4373,7 @@
             <a:pPr indent="0" algn="ctr">
               <a:buNone/>
             </a:pPr>
-            <a:endParaRPr b="0" lang="en-US" sz="4000" spc="-1" strike="noStrike">
+            <a:endParaRPr b="0" lang="en-US" sz="4400" spc="-1" strike="noStrike">
               <a:solidFill>
                 <a:srgbClr val="000000"/>
               </a:solidFill>
@@ -4394,8 +4394,8 @@
         </p:nvSpPr>
         <p:spPr>
           <a:xfrm>
-            <a:off x="503640" y="1326600"/>
-            <a:ext cx="4427280" cy="3288600"/>
+            <a:off x="504000" y="1326600"/>
+            <a:ext cx="4426920" cy="3288600"/>
           </a:xfrm>
           <a:prstGeom prst="rect">
             <a:avLst/>
@@ -4412,11 +4412,11 @@
           <a:p>
             <a:pPr indent="0">
               <a:spcBef>
-                <a:spcPts val="1171"/>
+                <a:spcPts val="1417"/>
               </a:spcBef>
               <a:buNone/>
             </a:pPr>
-            <a:endParaRPr b="0" lang="en-US" sz="2640" spc="-1" strike="noStrike">
+            <a:endParaRPr b="0" lang="en-US" sz="3200" spc="-1" strike="noStrike">
               <a:solidFill>
                 <a:srgbClr val="000000"/>
               </a:solidFill>
@@ -4438,7 +4438,7 @@
         <p:spPr>
           <a:xfrm>
             <a:off x="5152680" y="1326600"/>
-            <a:ext cx="4427280" cy="3288600"/>
+            <a:ext cx="4426920" cy="3288600"/>
           </a:xfrm>
           <a:prstGeom prst="rect">
             <a:avLst/>
@@ -4455,11 +4455,11 @@
           <a:p>
             <a:pPr indent="0">
               <a:spcBef>
-                <a:spcPts val="1171"/>
+                <a:spcPts val="1417"/>
               </a:spcBef>
               <a:buNone/>
             </a:pPr>
-            <a:endParaRPr b="0" lang="en-US" sz="2640" spc="-1" strike="noStrike">
+            <a:endParaRPr b="0" lang="en-US" sz="3200" spc="-1" strike="noStrike">
               <a:solidFill>
                 <a:srgbClr val="000000"/>
               </a:solidFill>
@@ -4502,7 +4502,7 @@
         <p:txBody>
           <a:bodyPr/>
           <a:p>
-            <a:fld id="{68AD2698-876F-4D1D-8F01-4BF16F2400F7}" type="slidenum">
+            <a:fld id="{EC62027A-7E5D-4C49-B46E-EDF977777E7F}" type="slidenum">
               <a:t>&lt;#&gt;</a:t>
             </a:fld>
           </a:p>
@@ -4563,8 +4563,8 @@
         </p:nvSpPr>
         <p:spPr>
           <a:xfrm>
-            <a:off x="503640" y="226080"/>
-            <a:ext cx="9072360" cy="946440"/>
+            <a:off x="504000" y="226080"/>
+            <a:ext cx="9072000" cy="946440"/>
           </a:xfrm>
           <a:prstGeom prst="rect">
             <a:avLst/>
@@ -4582,7 +4582,7 @@
             <a:pPr indent="0" algn="ctr">
               <a:buNone/>
             </a:pPr>
-            <a:endParaRPr b="0" lang="en-US" sz="4000" spc="-1" strike="noStrike">
+            <a:endParaRPr b="0" lang="en-US" sz="4400" spc="-1" strike="noStrike">
               <a:solidFill>
                 <a:srgbClr val="000000"/>
               </a:solidFill>
@@ -4625,7 +4625,7 @@
         <p:txBody>
           <a:bodyPr/>
           <a:p>
-            <a:fld id="{C60A74BA-6997-4975-B303-E753D4A17D26}" type="slidenum">
+            <a:fld id="{91ECF97C-0283-49B1-8C1D-26114C7FB705}" type="slidenum">
               <a:t>&lt;#&gt;</a:t>
             </a:fld>
           </a:p>
@@ -4686,8 +4686,8 @@
         </p:nvSpPr>
         <p:spPr>
           <a:xfrm>
-            <a:off x="503640" y="226080"/>
-            <a:ext cx="9072360" cy="4388400"/>
+            <a:off x="504000" y="226080"/>
+            <a:ext cx="9072000" cy="4388400"/>
           </a:xfrm>
           <a:prstGeom prst="rect">
             <a:avLst/>
@@ -4746,7 +4746,7 @@
         <p:txBody>
           <a:bodyPr/>
           <a:p>
-            <a:fld id="{66AE03CB-1154-49D3-A39C-D0E8DAB16C18}" type="slidenum">
+            <a:fld id="{00A6BF84-125E-4A1A-99E5-630112F7A2BB}" type="slidenum">
               <a:t>&lt;#&gt;</a:t>
             </a:fld>
           </a:p>
@@ -4807,8 +4807,8 @@
         </p:nvSpPr>
         <p:spPr>
           <a:xfrm>
-            <a:off x="503640" y="226080"/>
-            <a:ext cx="9072360" cy="946440"/>
+            <a:off x="504000" y="226080"/>
+            <a:ext cx="9072000" cy="946440"/>
           </a:xfrm>
           <a:prstGeom prst="rect">
             <a:avLst/>
@@ -4826,7 +4826,7 @@
             <a:pPr indent="0" algn="ctr">
               <a:buNone/>
             </a:pPr>
-            <a:endParaRPr b="0" lang="en-US" sz="4000" spc="-1" strike="noStrike">
+            <a:endParaRPr b="0" lang="en-US" sz="4400" spc="-1" strike="noStrike">
               <a:solidFill>
                 <a:srgbClr val="000000"/>
               </a:solidFill>
@@ -4847,8 +4847,8 @@
         </p:nvSpPr>
         <p:spPr>
           <a:xfrm>
-            <a:off x="503640" y="1326600"/>
-            <a:ext cx="4427280" cy="1568520"/>
+            <a:off x="504000" y="1326600"/>
+            <a:ext cx="4426920" cy="1568520"/>
           </a:xfrm>
           <a:prstGeom prst="rect">
             <a:avLst/>
@@ -4865,11 +4865,11 @@
           <a:p>
             <a:pPr indent="0">
               <a:spcBef>
-                <a:spcPts val="1171"/>
+                <a:spcPts val="1417"/>
               </a:spcBef>
               <a:buNone/>
             </a:pPr>
-            <a:endParaRPr b="0" lang="en-US" sz="2640" spc="-1" strike="noStrike">
+            <a:endParaRPr b="0" lang="en-US" sz="3200" spc="-1" strike="noStrike">
               <a:solidFill>
                 <a:srgbClr val="000000"/>
               </a:solidFill>
@@ -4891,7 +4891,7 @@
         <p:spPr>
           <a:xfrm>
             <a:off x="5152680" y="1326600"/>
-            <a:ext cx="4427280" cy="3288600"/>
+            <a:ext cx="4426920" cy="3288600"/>
           </a:xfrm>
           <a:prstGeom prst="rect">
             <a:avLst/>
@@ -4908,11 +4908,11 @@
           <a:p>
             <a:pPr indent="0">
               <a:spcBef>
-                <a:spcPts val="1171"/>
+                <a:spcPts val="1417"/>
               </a:spcBef>
               <a:buNone/>
             </a:pPr>
-            <a:endParaRPr b="0" lang="en-US" sz="2640" spc="-1" strike="noStrike">
+            <a:endParaRPr b="0" lang="en-US" sz="3200" spc="-1" strike="noStrike">
               <a:solidFill>
                 <a:srgbClr val="000000"/>
               </a:solidFill>
@@ -4933,8 +4933,8 @@
         </p:nvSpPr>
         <p:spPr>
           <a:xfrm>
-            <a:off x="503640" y="3044520"/>
-            <a:ext cx="4427280" cy="1568520"/>
+            <a:off x="504000" y="3044520"/>
+            <a:ext cx="4426920" cy="1568520"/>
           </a:xfrm>
           <a:prstGeom prst="rect">
             <a:avLst/>
@@ -4951,11 +4951,11 @@
           <a:p>
             <a:pPr indent="0">
               <a:spcBef>
-                <a:spcPts val="1171"/>
+                <a:spcPts val="1417"/>
               </a:spcBef>
               <a:buNone/>
             </a:pPr>
-            <a:endParaRPr b="0" lang="en-US" sz="2640" spc="-1" strike="noStrike">
+            <a:endParaRPr b="0" lang="en-US" sz="3200" spc="-1" strike="noStrike">
               <a:solidFill>
                 <a:srgbClr val="000000"/>
               </a:solidFill>
@@ -4998,7 +4998,7 @@
         <p:txBody>
           <a:bodyPr/>
           <a:p>
-            <a:fld id="{A1867C64-1CE1-4934-A0A8-92AD90EED408}" type="slidenum">
+            <a:fld id="{5499E8BC-FADA-4BC8-9C2A-E73AABF8D942}" type="slidenum">
               <a:t>&lt;#&gt;</a:t>
             </a:fld>
           </a:p>
@@ -5059,8 +5059,8 @@
         </p:nvSpPr>
         <p:spPr>
           <a:xfrm>
-            <a:off x="503640" y="226080"/>
-            <a:ext cx="9072360" cy="946440"/>
+            <a:off x="504000" y="226080"/>
+            <a:ext cx="9072000" cy="946440"/>
           </a:xfrm>
           <a:prstGeom prst="rect">
             <a:avLst/>
@@ -5078,7 +5078,7 @@
             <a:pPr indent="0" algn="ctr">
               <a:buNone/>
             </a:pPr>
-            <a:endParaRPr b="0" lang="en-US" sz="4000" spc="-1" strike="noStrike">
+            <a:endParaRPr b="0" lang="en-US" sz="4400" spc="-1" strike="noStrike">
               <a:solidFill>
                 <a:srgbClr val="000000"/>
               </a:solidFill>
@@ -5099,8 +5099,8 @@
         </p:nvSpPr>
         <p:spPr>
           <a:xfrm>
-            <a:off x="503640" y="1326600"/>
-            <a:ext cx="4427280" cy="3288600"/>
+            <a:off x="504000" y="1326600"/>
+            <a:ext cx="4426920" cy="3288600"/>
           </a:xfrm>
           <a:prstGeom prst="rect">
             <a:avLst/>
@@ -5117,11 +5117,11 @@
           <a:p>
             <a:pPr indent="0">
               <a:spcBef>
-                <a:spcPts val="1171"/>
+                <a:spcPts val="1417"/>
               </a:spcBef>
               <a:buNone/>
             </a:pPr>
-            <a:endParaRPr b="0" lang="en-US" sz="2640" spc="-1" strike="noStrike">
+            <a:endParaRPr b="0" lang="en-US" sz="3200" spc="-1" strike="noStrike">
               <a:solidFill>
                 <a:srgbClr val="000000"/>
               </a:solidFill>
@@ -5143,7 +5143,7 @@
         <p:spPr>
           <a:xfrm>
             <a:off x="5152680" y="1326600"/>
-            <a:ext cx="4427280" cy="1568520"/>
+            <a:ext cx="4426920" cy="1568520"/>
           </a:xfrm>
           <a:prstGeom prst="rect">
             <a:avLst/>
@@ -5160,11 +5160,11 @@
           <a:p>
             <a:pPr indent="0">
               <a:spcBef>
-                <a:spcPts val="1171"/>
+                <a:spcPts val="1417"/>
               </a:spcBef>
               <a:buNone/>
             </a:pPr>
-            <a:endParaRPr b="0" lang="en-US" sz="2640" spc="-1" strike="noStrike">
+            <a:endParaRPr b="0" lang="en-US" sz="3200" spc="-1" strike="noStrike">
               <a:solidFill>
                 <a:srgbClr val="000000"/>
               </a:solidFill>
@@ -5186,7 +5186,7 @@
         <p:spPr>
           <a:xfrm>
             <a:off x="5152680" y="3044520"/>
-            <a:ext cx="4427280" cy="1568520"/>
+            <a:ext cx="4426920" cy="1568520"/>
           </a:xfrm>
           <a:prstGeom prst="rect">
             <a:avLst/>
@@ -5203,11 +5203,11 @@
           <a:p>
             <a:pPr indent="0">
               <a:spcBef>
-                <a:spcPts val="1171"/>
+                <a:spcPts val="1417"/>
               </a:spcBef>
               <a:buNone/>
             </a:pPr>
-            <a:endParaRPr b="0" lang="en-US" sz="2640" spc="-1" strike="noStrike">
+            <a:endParaRPr b="0" lang="en-US" sz="3200" spc="-1" strike="noStrike">
               <a:solidFill>
                 <a:srgbClr val="000000"/>
               </a:solidFill>
@@ -5250,7 +5250,7 @@
         <p:txBody>
           <a:bodyPr/>
           <a:p>
-            <a:fld id="{52A6CE2B-A6ED-45FD-8F62-5E01B491D33F}" type="slidenum">
+            <a:fld id="{1AC7E5DF-9134-4F4D-850D-AA313B8DA9E5}" type="slidenum">
               <a:t>&lt;#&gt;</a:t>
             </a:fld>
           </a:p>
@@ -5311,8 +5311,8 @@
         </p:nvSpPr>
         <p:spPr>
           <a:xfrm>
-            <a:off x="503640" y="226080"/>
-            <a:ext cx="9072360" cy="946440"/>
+            <a:off x="504000" y="226080"/>
+            <a:ext cx="9072000" cy="946440"/>
           </a:xfrm>
           <a:prstGeom prst="rect">
             <a:avLst/>
@@ -5330,7 +5330,7 @@
             <a:pPr indent="0" algn="ctr">
               <a:buNone/>
             </a:pPr>
-            <a:endParaRPr b="0" lang="en-US" sz="4000" spc="-1" strike="noStrike">
+            <a:endParaRPr b="0" lang="en-US" sz="4400" spc="-1" strike="noStrike">
               <a:solidFill>
                 <a:srgbClr val="000000"/>
               </a:solidFill>
@@ -5351,8 +5351,8 @@
         </p:nvSpPr>
         <p:spPr>
           <a:xfrm>
-            <a:off x="503640" y="1326600"/>
-            <a:ext cx="4427280" cy="1568520"/>
+            <a:off x="504000" y="1326600"/>
+            <a:ext cx="4426920" cy="1568520"/>
           </a:xfrm>
           <a:prstGeom prst="rect">
             <a:avLst/>
@@ -5369,11 +5369,11 @@
           <a:p>
             <a:pPr indent="0">
               <a:spcBef>
-                <a:spcPts val="1171"/>
+                <a:spcPts val="1417"/>
               </a:spcBef>
               <a:buNone/>
             </a:pPr>
-            <a:endParaRPr b="0" lang="en-US" sz="2640" spc="-1" strike="noStrike">
+            <a:endParaRPr b="0" lang="en-US" sz="3200" spc="-1" strike="noStrike">
               <a:solidFill>
                 <a:srgbClr val="000000"/>
               </a:solidFill>
@@ -5395,7 +5395,7 @@
         <p:spPr>
           <a:xfrm>
             <a:off x="5152680" y="1326600"/>
-            <a:ext cx="4427280" cy="1568520"/>
+            <a:ext cx="4426920" cy="1568520"/>
           </a:xfrm>
           <a:prstGeom prst="rect">
             <a:avLst/>
@@ -5412,11 +5412,11 @@
           <a:p>
             <a:pPr indent="0">
               <a:spcBef>
-                <a:spcPts val="1171"/>
+                <a:spcPts val="1417"/>
               </a:spcBef>
               <a:buNone/>
             </a:pPr>
-            <a:endParaRPr b="0" lang="en-US" sz="2640" spc="-1" strike="noStrike">
+            <a:endParaRPr b="0" lang="en-US" sz="3200" spc="-1" strike="noStrike">
               <a:solidFill>
                 <a:srgbClr val="000000"/>
               </a:solidFill>
@@ -5437,8 +5437,8 @@
         </p:nvSpPr>
         <p:spPr>
           <a:xfrm>
-            <a:off x="503640" y="3044520"/>
-            <a:ext cx="9072360" cy="1568520"/>
+            <a:off x="504000" y="3044520"/>
+            <a:ext cx="9072000" cy="1568520"/>
           </a:xfrm>
           <a:prstGeom prst="rect">
             <a:avLst/>
@@ -5455,11 +5455,11 @@
           <a:p>
             <a:pPr indent="0">
               <a:spcBef>
-                <a:spcPts val="1171"/>
+                <a:spcPts val="1417"/>
               </a:spcBef>
               <a:buNone/>
             </a:pPr>
-            <a:endParaRPr b="0" lang="en-US" sz="2640" spc="-1" strike="noStrike">
+            <a:endParaRPr b="0" lang="en-US" sz="3200" spc="-1" strike="noStrike">
               <a:solidFill>
                 <a:srgbClr val="000000"/>
               </a:solidFill>
@@ -5502,7 +5502,7 @@
         <p:txBody>
           <a:bodyPr/>
           <a:p>
-            <a:fld id="{4215664E-8F31-48E3-96C7-8E16FB180B13}" type="slidenum">
+            <a:fld id="{6C9CF4F2-C795-4B89-A170-BBD29553C047}" type="slidenum">
               <a:t>&lt;#&gt;</a:t>
             </a:fld>
           </a:p>
@@ -5558,287 +5558,13 @@
             <a:spLocks noGrp="1"/>
           </p:cNvSpPr>
           <p:nvPr>
-            <p:ph type="title"/>
-          </p:nvPr>
-        </p:nvSpPr>
-        <p:spPr>
-          <a:xfrm>
-            <a:off x="504000" y="226080"/>
-            <a:ext cx="9070920" cy="945720"/>
-          </a:xfrm>
-          <a:prstGeom prst="rect">
-            <a:avLst/>
-          </a:prstGeom>
-          <a:noFill/>
-          <a:ln w="0">
-            <a:noFill/>
-          </a:ln>
-        </p:spPr>
-        <p:txBody>
-          <a:bodyPr lIns="0" rIns="0" tIns="0" bIns="0" anchor="ctr">
-            <a:noAutofit/>
-          </a:bodyPr>
-          <a:p>
-            <a:pPr indent="0">
-              <a:buNone/>
-            </a:pPr>
-            <a:r>
-              <a:rPr b="0" lang="en-US" sz="1800" spc="-1" strike="noStrike">
-                <a:solidFill>
-                  <a:srgbClr val="000000"/>
-                </a:solidFill>
-                <a:latin typeface="Arial"/>
-              </a:rPr>
-              <a:t>Click to edit the title text format</a:t>
-            </a:r>
-            <a:endParaRPr b="0" lang="en-US" sz="1800" spc="-1" strike="noStrike">
-              <a:solidFill>
-                <a:srgbClr val="000000"/>
-              </a:solidFill>
-              <a:latin typeface="Arial"/>
-            </a:endParaRPr>
-          </a:p>
-        </p:txBody>
-      </p:sp>
-      <p:sp>
-        <p:nvSpPr>
-          <p:cNvPr id="1" name="PlaceHolder 2"/>
-          <p:cNvSpPr>
-            <a:spLocks noGrp="1"/>
-          </p:cNvSpPr>
-          <p:nvPr>
-            <p:ph type="body"/>
-          </p:nvPr>
-        </p:nvSpPr>
-        <p:spPr>
-          <a:xfrm>
-            <a:off x="504000" y="1326600"/>
-            <a:ext cx="9071640" cy="3288240"/>
-          </a:xfrm>
-          <a:prstGeom prst="rect">
-            <a:avLst/>
-          </a:prstGeom>
-          <a:noFill/>
-          <a:ln w="0">
-            <a:noFill/>
-          </a:ln>
-        </p:spPr>
-        <p:txBody>
-          <a:bodyPr lIns="0" rIns="0" tIns="0" bIns="0" anchor="t">
-            <a:normAutofit/>
-          </a:bodyPr>
-          <a:p>
-            <a:pPr marL="432000" indent="-324000">
-              <a:spcBef>
-                <a:spcPts val="1417"/>
-              </a:spcBef>
-              <a:buClr>
-                <a:srgbClr val="000000"/>
-              </a:buClr>
-              <a:buSzPct val="45000"/>
-              <a:buFont typeface="Wingdings" charset="2"/>
-              <a:buChar char=""/>
-            </a:pPr>
-            <a:r>
-              <a:rPr b="0" lang="en-US" sz="1800" spc="-1" strike="noStrike">
-                <a:solidFill>
-                  <a:srgbClr val="000000"/>
-                </a:solidFill>
-                <a:latin typeface="Arial"/>
-              </a:rPr>
-              <a:t>Click to edit the outline text format</a:t>
-            </a:r>
-            <a:endParaRPr b="0" lang="en-US" sz="1800" spc="-1" strike="noStrike">
-              <a:solidFill>
-                <a:srgbClr val="000000"/>
-              </a:solidFill>
-              <a:latin typeface="Arial"/>
-            </a:endParaRPr>
-          </a:p>
-          <a:p>
-            <a:pPr lvl="1" marL="864000" indent="-324000">
-              <a:spcBef>
-                <a:spcPts val="1134"/>
-              </a:spcBef>
-              <a:buClr>
-                <a:srgbClr val="000000"/>
-              </a:buClr>
-              <a:buSzPct val="75000"/>
-              <a:buFont typeface="Symbol" charset="2"/>
-              <a:buChar char=""/>
-            </a:pPr>
-            <a:r>
-              <a:rPr b="0" lang="en-US" sz="1800" spc="-1" strike="noStrike">
-                <a:solidFill>
-                  <a:srgbClr val="000000"/>
-                </a:solidFill>
-                <a:latin typeface="Arial"/>
-              </a:rPr>
-              <a:t>Second Outline Level</a:t>
-            </a:r>
-            <a:endParaRPr b="0" lang="en-US" sz="1800" spc="-1" strike="noStrike">
-              <a:solidFill>
-                <a:srgbClr val="000000"/>
-              </a:solidFill>
-              <a:latin typeface="Arial"/>
-            </a:endParaRPr>
-          </a:p>
-          <a:p>
-            <a:pPr lvl="2" marL="1296000" indent="-288000">
-              <a:spcBef>
-                <a:spcPts val="850"/>
-              </a:spcBef>
-              <a:buClr>
-                <a:srgbClr val="000000"/>
-              </a:buClr>
-              <a:buSzPct val="45000"/>
-              <a:buFont typeface="Wingdings" charset="2"/>
-              <a:buChar char=""/>
-            </a:pPr>
-            <a:r>
-              <a:rPr b="0" lang="en-US" sz="1800" spc="-1" strike="noStrike">
-                <a:solidFill>
-                  <a:srgbClr val="000000"/>
-                </a:solidFill>
-                <a:latin typeface="Arial"/>
-              </a:rPr>
-              <a:t>Third Outline Level</a:t>
-            </a:r>
-            <a:endParaRPr b="0" lang="en-US" sz="1800" spc="-1" strike="noStrike">
-              <a:solidFill>
-                <a:srgbClr val="000000"/>
-              </a:solidFill>
-              <a:latin typeface="Arial"/>
-            </a:endParaRPr>
-          </a:p>
-          <a:p>
-            <a:pPr lvl="3" marL="1728000" indent="-216000">
-              <a:spcBef>
-                <a:spcPts val="567"/>
-              </a:spcBef>
-              <a:buClr>
-                <a:srgbClr val="000000"/>
-              </a:buClr>
-              <a:buSzPct val="75000"/>
-              <a:buFont typeface="Symbol" charset="2"/>
-              <a:buChar char=""/>
-            </a:pPr>
-            <a:r>
-              <a:rPr b="0" lang="en-US" sz="1800" spc="-1" strike="noStrike">
-                <a:solidFill>
-                  <a:srgbClr val="000000"/>
-                </a:solidFill>
-                <a:latin typeface="Arial"/>
-              </a:rPr>
-              <a:t>Fourth Outline Level</a:t>
-            </a:r>
-            <a:endParaRPr b="0" lang="en-US" sz="1800" spc="-1" strike="noStrike">
-              <a:solidFill>
-                <a:srgbClr val="000000"/>
-              </a:solidFill>
-              <a:latin typeface="Arial"/>
-            </a:endParaRPr>
-          </a:p>
-          <a:p>
-            <a:pPr lvl="4" marL="2160000" indent="-216000">
-              <a:spcBef>
-                <a:spcPts val="283"/>
-              </a:spcBef>
-              <a:buClr>
-                <a:srgbClr val="000000"/>
-              </a:buClr>
-              <a:buSzPct val="45000"/>
-              <a:buFont typeface="Wingdings" charset="2"/>
-              <a:buChar char=""/>
-            </a:pPr>
-            <a:r>
-              <a:rPr b="0" lang="en-US" sz="1800" spc="-1" strike="noStrike">
-                <a:solidFill>
-                  <a:srgbClr val="000000"/>
-                </a:solidFill>
-                <a:latin typeface="Arial"/>
-              </a:rPr>
-              <a:t>Fifth Outline Level</a:t>
-            </a:r>
-            <a:endParaRPr b="0" lang="en-US" sz="1800" spc="-1" strike="noStrike">
-              <a:solidFill>
-                <a:srgbClr val="000000"/>
-              </a:solidFill>
-              <a:latin typeface="Arial"/>
-            </a:endParaRPr>
-          </a:p>
-          <a:p>
-            <a:pPr lvl="5" marL="2592000" indent="-216000">
-              <a:spcBef>
-                <a:spcPts val="283"/>
-              </a:spcBef>
-              <a:buClr>
-                <a:srgbClr val="000000"/>
-              </a:buClr>
-              <a:buSzPct val="45000"/>
-              <a:buFont typeface="Wingdings" charset="2"/>
-              <a:buChar char=""/>
-            </a:pPr>
-            <a:r>
-              <a:rPr b="0" lang="en-US" sz="1800" spc="-1" strike="noStrike">
-                <a:solidFill>
-                  <a:srgbClr val="000000"/>
-                </a:solidFill>
-                <a:latin typeface="Arial"/>
-              </a:rPr>
-              <a:t>Sixth Outline Level</a:t>
-            </a:r>
-            <a:endParaRPr b="0" lang="en-US" sz="1800" spc="-1" strike="noStrike">
-              <a:solidFill>
-                <a:srgbClr val="000000"/>
-              </a:solidFill>
-              <a:latin typeface="Arial"/>
-            </a:endParaRPr>
-          </a:p>
-          <a:p>
-            <a:pPr lvl="6" marL="3024000" indent="-216000">
-              <a:spcBef>
-                <a:spcPts val="283"/>
-              </a:spcBef>
-              <a:buClr>
-                <a:srgbClr val="000000"/>
-              </a:buClr>
-              <a:buSzPct val="45000"/>
-              <a:buFont typeface="Wingdings" charset="2"/>
-              <a:buChar char=""/>
-            </a:pPr>
-            <a:r>
-              <a:rPr b="0" lang="en-US" sz="1800" spc="-1" strike="noStrike">
-                <a:solidFill>
-                  <a:srgbClr val="000000"/>
-                </a:solidFill>
-                <a:latin typeface="Arial"/>
-              </a:rPr>
-              <a:t>Seventh Outline Level</a:t>
-            </a:r>
-            <a:endParaRPr b="0" lang="en-US" sz="1800" spc="-1" strike="noStrike">
-              <a:solidFill>
-                <a:srgbClr val="000000"/>
-              </a:solidFill>
-              <a:latin typeface="Arial"/>
-            </a:endParaRPr>
-          </a:p>
-        </p:txBody>
-      </p:sp>
-      <p:sp>
-        <p:nvSpPr>
-          <p:cNvPr id="2" name="PlaceHolder 3"/>
-          <p:cNvSpPr>
-            <a:spLocks noGrp="1"/>
-          </p:cNvSpPr>
-          <p:nvPr>
             <p:ph type="ftr" idx="1"/>
           </p:nvPr>
         </p:nvSpPr>
         <p:spPr>
           <a:xfrm>
             <a:off x="3447360" y="5165280"/>
-            <a:ext cx="3194280" cy="389880"/>
+            <a:ext cx="3193920" cy="389520"/>
           </a:xfrm>
           <a:prstGeom prst="rect">
             <a:avLst/>
@@ -5899,7 +5625,7 @@
       </p:sp>
       <p:sp>
         <p:nvSpPr>
-          <p:cNvPr id="3" name="PlaceHolder 4"/>
+          <p:cNvPr id="1" name="PlaceHolder 2"/>
           <p:cNvSpPr>
             <a:spLocks noGrp="1"/>
           </p:cNvSpPr>
@@ -5910,7 +5636,7 @@
         <p:spPr>
           <a:xfrm>
             <a:off x="7227360" y="5165280"/>
-            <a:ext cx="2347560" cy="389880"/>
+            <a:ext cx="2347200" cy="389520"/>
           </a:xfrm>
           <a:prstGeom prst="rect">
             <a:avLst/>
@@ -5951,7 +5677,7 @@
                 <a:tab algn="l" pos="0"/>
               </a:tabLst>
             </a:pPr>
-            <a:fld id="{7DC28BDC-2385-4999-A4AA-D5DEB274B1D8}" type="slidenum">
+            <a:fld id="{AFF521B9-EC6A-40A5-9DD7-72AB957B27F6}" type="slidenum">
               <a:rPr b="0" lang="en-US" sz="1400" spc="-1" strike="noStrike">
                 <a:solidFill>
                   <a:srgbClr val="000000"/>
@@ -5971,7 +5697,7 @@
       </p:sp>
       <p:sp>
         <p:nvSpPr>
-          <p:cNvPr id="4" name="PlaceHolder 5"/>
+          <p:cNvPr id="2" name="PlaceHolder 3"/>
           <p:cNvSpPr>
             <a:spLocks noGrp="1"/>
           </p:cNvSpPr>
@@ -5982,7 +5708,7 @@
         <p:spPr>
           <a:xfrm>
             <a:off x="504000" y="5165280"/>
-            <a:ext cx="2347560" cy="389880"/>
+            <a:ext cx="2347200" cy="389520"/>
           </a:xfrm>
           <a:prstGeom prst="rect">
             <a:avLst/>
@@ -6025,6 +5751,280 @@
                 <a:srgbClr val="000000"/>
               </a:solidFill>
               <a:latin typeface="Times New Roman"/>
+            </a:endParaRPr>
+          </a:p>
+        </p:txBody>
+      </p:sp>
+      <p:sp>
+        <p:nvSpPr>
+          <p:cNvPr id="3" name="PlaceHolder 4"/>
+          <p:cNvSpPr>
+            <a:spLocks noGrp="1"/>
+          </p:cNvSpPr>
+          <p:nvPr>
+            <p:ph type="title"/>
+          </p:nvPr>
+        </p:nvSpPr>
+        <p:spPr>
+          <a:xfrm>
+            <a:off x="504000" y="226080"/>
+            <a:ext cx="9072000" cy="946440"/>
+          </a:xfrm>
+          <a:prstGeom prst="rect">
+            <a:avLst/>
+          </a:prstGeom>
+          <a:noFill/>
+          <a:ln w="0">
+            <a:noFill/>
+          </a:ln>
+        </p:spPr>
+        <p:txBody>
+          <a:bodyPr lIns="0" rIns="0" tIns="0" bIns="0" anchor="ctr">
+            <a:noAutofit/>
+          </a:bodyPr>
+          <a:p>
+            <a:pPr indent="0" algn="ctr">
+              <a:buNone/>
+            </a:pPr>
+            <a:r>
+              <a:rPr b="0" lang="en-US" sz="4400" spc="-1" strike="noStrike">
+                <a:solidFill>
+                  <a:srgbClr val="000000"/>
+                </a:solidFill>
+                <a:latin typeface="Arial"/>
+              </a:rPr>
+              <a:t>Click to edit the title text format</a:t>
+            </a:r>
+            <a:endParaRPr b="0" lang="en-US" sz="4400" spc="-1" strike="noStrike">
+              <a:solidFill>
+                <a:srgbClr val="000000"/>
+              </a:solidFill>
+              <a:latin typeface="Arial"/>
+            </a:endParaRPr>
+          </a:p>
+        </p:txBody>
+      </p:sp>
+      <p:sp>
+        <p:nvSpPr>
+          <p:cNvPr id="4" name="PlaceHolder 5"/>
+          <p:cNvSpPr>
+            <a:spLocks noGrp="1"/>
+          </p:cNvSpPr>
+          <p:nvPr>
+            <p:ph type="body"/>
+          </p:nvPr>
+        </p:nvSpPr>
+        <p:spPr>
+          <a:xfrm>
+            <a:off x="504000" y="1326600"/>
+            <a:ext cx="9072000" cy="3288600"/>
+          </a:xfrm>
+          <a:prstGeom prst="rect">
+            <a:avLst/>
+          </a:prstGeom>
+          <a:noFill/>
+          <a:ln w="0">
+            <a:noFill/>
+          </a:ln>
+        </p:spPr>
+        <p:txBody>
+          <a:bodyPr lIns="0" rIns="0" tIns="0" bIns="0" anchor="t">
+            <a:normAutofit/>
+          </a:bodyPr>
+          <a:p>
+            <a:pPr marL="432000" indent="-324000">
+              <a:spcBef>
+                <a:spcPts val="1417"/>
+              </a:spcBef>
+              <a:buClr>
+                <a:srgbClr val="000000"/>
+              </a:buClr>
+              <a:buSzPct val="45000"/>
+              <a:buFont typeface="Wingdings" charset="2"/>
+              <a:buChar char=""/>
+            </a:pPr>
+            <a:r>
+              <a:rPr b="0" lang="en-US" sz="3200" spc="-1" strike="noStrike">
+                <a:solidFill>
+                  <a:srgbClr val="000000"/>
+                </a:solidFill>
+                <a:latin typeface="Arial"/>
+              </a:rPr>
+              <a:t>Click to edit the outline text format</a:t>
+            </a:r>
+            <a:endParaRPr b="0" lang="en-US" sz="3200" spc="-1" strike="noStrike">
+              <a:solidFill>
+                <a:srgbClr val="000000"/>
+              </a:solidFill>
+              <a:latin typeface="Arial"/>
+            </a:endParaRPr>
+          </a:p>
+          <a:p>
+            <a:pPr lvl="1" marL="864000" indent="-324000">
+              <a:spcBef>
+                <a:spcPts val="1134"/>
+              </a:spcBef>
+              <a:buClr>
+                <a:srgbClr val="000000"/>
+              </a:buClr>
+              <a:buSzPct val="75000"/>
+              <a:buFont typeface="Symbol" charset="2"/>
+              <a:buChar char=""/>
+            </a:pPr>
+            <a:r>
+              <a:rPr b="0" lang="en-US" sz="2800" spc="-1" strike="noStrike">
+                <a:solidFill>
+                  <a:srgbClr val="000000"/>
+                </a:solidFill>
+                <a:latin typeface="Arial"/>
+              </a:rPr>
+              <a:t>Second Outline Level</a:t>
+            </a:r>
+            <a:endParaRPr b="0" lang="en-US" sz="2800" spc="-1" strike="noStrike">
+              <a:solidFill>
+                <a:srgbClr val="000000"/>
+              </a:solidFill>
+              <a:latin typeface="Arial"/>
+            </a:endParaRPr>
+          </a:p>
+          <a:p>
+            <a:pPr lvl="2" marL="1296000" indent="-288000">
+              <a:spcBef>
+                <a:spcPts val="850"/>
+              </a:spcBef>
+              <a:buClr>
+                <a:srgbClr val="000000"/>
+              </a:buClr>
+              <a:buSzPct val="45000"/>
+              <a:buFont typeface="Wingdings" charset="2"/>
+              <a:buChar char=""/>
+            </a:pPr>
+            <a:r>
+              <a:rPr b="0" lang="en-US" sz="2400" spc="-1" strike="noStrike">
+                <a:solidFill>
+                  <a:srgbClr val="000000"/>
+                </a:solidFill>
+                <a:latin typeface="Arial"/>
+              </a:rPr>
+              <a:t>Third Outline Level</a:t>
+            </a:r>
+            <a:endParaRPr b="0" lang="en-US" sz="2400" spc="-1" strike="noStrike">
+              <a:solidFill>
+                <a:srgbClr val="000000"/>
+              </a:solidFill>
+              <a:latin typeface="Arial"/>
+            </a:endParaRPr>
+          </a:p>
+          <a:p>
+            <a:pPr lvl="3" marL="1728000" indent="-216000">
+              <a:spcBef>
+                <a:spcPts val="567"/>
+              </a:spcBef>
+              <a:buClr>
+                <a:srgbClr val="000000"/>
+              </a:buClr>
+              <a:buSzPct val="75000"/>
+              <a:buFont typeface="Symbol" charset="2"/>
+              <a:buChar char=""/>
+            </a:pPr>
+            <a:r>
+              <a:rPr b="0" lang="en-US" sz="2000" spc="-1" strike="noStrike">
+                <a:solidFill>
+                  <a:srgbClr val="000000"/>
+                </a:solidFill>
+                <a:latin typeface="Arial"/>
+              </a:rPr>
+              <a:t>Fourth Outline Level</a:t>
+            </a:r>
+            <a:endParaRPr b="0" lang="en-US" sz="2000" spc="-1" strike="noStrike">
+              <a:solidFill>
+                <a:srgbClr val="000000"/>
+              </a:solidFill>
+              <a:latin typeface="Arial"/>
+            </a:endParaRPr>
+          </a:p>
+          <a:p>
+            <a:pPr lvl="4" marL="2160000" indent="-216000">
+              <a:spcBef>
+                <a:spcPts val="283"/>
+              </a:spcBef>
+              <a:buClr>
+                <a:srgbClr val="000000"/>
+              </a:buClr>
+              <a:buSzPct val="45000"/>
+              <a:buFont typeface="Wingdings" charset="2"/>
+              <a:buChar char=""/>
+            </a:pPr>
+            <a:r>
+              <a:rPr b="0" lang="en-US" sz="2000" spc="-1" strike="noStrike">
+                <a:solidFill>
+                  <a:srgbClr val="000000"/>
+                </a:solidFill>
+                <a:latin typeface="Arial"/>
+              </a:rPr>
+              <a:t>Fifth Outline Level</a:t>
+            </a:r>
+            <a:endParaRPr b="0" lang="en-US" sz="2000" spc="-1" strike="noStrike">
+              <a:solidFill>
+                <a:srgbClr val="000000"/>
+              </a:solidFill>
+              <a:latin typeface="Arial"/>
+            </a:endParaRPr>
+          </a:p>
+          <a:p>
+            <a:pPr lvl="5" marL="2592000" indent="-216000">
+              <a:spcBef>
+                <a:spcPts val="283"/>
+              </a:spcBef>
+              <a:buClr>
+                <a:srgbClr val="000000"/>
+              </a:buClr>
+              <a:buSzPct val="45000"/>
+              <a:buFont typeface="Wingdings" charset="2"/>
+              <a:buChar char=""/>
+            </a:pPr>
+            <a:r>
+              <a:rPr b="0" lang="en-US" sz="2000" spc="-1" strike="noStrike">
+                <a:solidFill>
+                  <a:srgbClr val="000000"/>
+                </a:solidFill>
+                <a:latin typeface="Arial"/>
+              </a:rPr>
+              <a:t>Sixth Outline Level</a:t>
+            </a:r>
+            <a:endParaRPr b="0" lang="en-US" sz="2000" spc="-1" strike="noStrike">
+              <a:solidFill>
+                <a:srgbClr val="000000"/>
+              </a:solidFill>
+              <a:latin typeface="Arial"/>
+            </a:endParaRPr>
+          </a:p>
+          <a:p>
+            <a:pPr lvl="6" marL="3024000" indent="-216000">
+              <a:spcBef>
+                <a:spcPts val="283"/>
+              </a:spcBef>
+              <a:buClr>
+                <a:srgbClr val="000000"/>
+              </a:buClr>
+              <a:buSzPct val="45000"/>
+              <a:buFont typeface="Wingdings" charset="2"/>
+              <a:buChar char=""/>
+            </a:pPr>
+            <a:r>
+              <a:rPr b="0" lang="en-US" sz="2000" spc="-1" strike="noStrike">
+                <a:solidFill>
+                  <a:srgbClr val="000000"/>
+                </a:solidFill>
+                <a:latin typeface="Arial"/>
+              </a:rPr>
+              <a:t>Seventh Outline Level</a:t>
+            </a:r>
+            <a:endParaRPr b="0" lang="en-US" sz="2000" spc="-1" strike="noStrike">
+              <a:solidFill>
+                <a:srgbClr val="000000"/>
+              </a:solidFill>
+              <a:latin typeface="Arial"/>
             </a:endParaRPr>
           </a:p>
         </p:txBody>
@@ -6086,7 +6086,7 @@
         <p:spPr>
           <a:xfrm>
             <a:off x="3339000" y="5256000"/>
-            <a:ext cx="3400560" cy="300240"/>
+            <a:ext cx="3400200" cy="299880"/>
           </a:xfrm>
           <a:prstGeom prst="rect">
             <a:avLst/>
@@ -6158,7 +6158,7 @@
         <p:spPr>
           <a:xfrm>
             <a:off x="7119000" y="5256000"/>
-            <a:ext cx="2266560" cy="300240"/>
+            <a:ext cx="2266200" cy="299880"/>
           </a:xfrm>
           <a:prstGeom prst="rect">
             <a:avLst/>
@@ -6201,7 +6201,7 @@
                 <a:tab algn="l" pos="0"/>
               </a:tabLst>
             </a:pPr>
-            <a:fld id="{DF660D68-76C6-48F2-AB8C-5F6376F69902}" type="slidenum">
+            <a:fld id="{DBD8E445-9035-49B7-AA01-61C2F316752F}" type="slidenum">
               <a:rPr b="0" lang="en-US" sz="1200" spc="-1" strike="noStrike">
                 <a:solidFill>
                   <a:schemeClr val="dk1">
@@ -6234,7 +6234,7 @@
         <p:spPr>
           <a:xfrm>
             <a:off x="692640" y="5256000"/>
-            <a:ext cx="2266560" cy="300240"/>
+            <a:ext cx="2266200" cy="299880"/>
           </a:xfrm>
           <a:prstGeom prst="rect">
             <a:avLst/>
@@ -6293,8 +6293,8 @@
         </p:nvSpPr>
         <p:spPr>
           <a:xfrm>
-            <a:off x="503640" y="226080"/>
-            <a:ext cx="9072360" cy="946440"/>
+            <a:off x="504000" y="226080"/>
+            <a:ext cx="9072000" cy="946440"/>
           </a:xfrm>
           <a:prstGeom prst="rect">
             <a:avLst/>
@@ -6313,7 +6313,7 @@
               <a:buNone/>
             </a:pPr>
             <a:r>
-              <a:rPr b="0" lang="en-US" sz="4000" spc="-1" strike="noStrike">
+              <a:rPr b="0" lang="en-US" sz="4400" spc="-1" strike="noStrike">
                 <a:solidFill>
                   <a:srgbClr val="000000"/>
                 </a:solidFill>
@@ -6321,7 +6321,7 @@
               </a:rPr>
               <a:t>Click to edit the title text format</a:t>
             </a:r>
-            <a:endParaRPr b="0" lang="en-US" sz="4000" spc="-1" strike="noStrike">
+            <a:endParaRPr b="0" lang="en-US" sz="4400" spc="-1" strike="noStrike">
               <a:solidFill>
                 <a:srgbClr val="000000"/>
               </a:solidFill>
@@ -6342,8 +6342,8 @@
         </p:nvSpPr>
         <p:spPr>
           <a:xfrm>
-            <a:off x="503640" y="1326600"/>
-            <a:ext cx="9072360" cy="3288600"/>
+            <a:off x="504000" y="1326600"/>
+            <a:ext cx="9072000" cy="3288600"/>
           </a:xfrm>
           <a:prstGeom prst="rect">
             <a:avLst/>
@@ -6360,7 +6360,7 @@
           <a:p>
             <a:pPr marL="432000" indent="-324000">
               <a:spcBef>
-                <a:spcPts val="1171"/>
+                <a:spcPts val="1417"/>
               </a:spcBef>
               <a:buClr>
                 <a:srgbClr val="000000"/>
@@ -6370,7 +6370,7 @@
               <a:buChar char=""/>
             </a:pPr>
             <a:r>
-              <a:rPr b="0" lang="en-US" sz="2640" spc="-1" strike="noStrike">
+              <a:rPr b="0" lang="en-US" sz="3200" spc="-1" strike="noStrike">
                 <a:solidFill>
                   <a:srgbClr val="000000"/>
                 </a:solidFill>
@@ -6378,7 +6378,7 @@
               </a:rPr>
               <a:t>Click to edit the outline text format</a:t>
             </a:r>
-            <a:endParaRPr b="0" lang="en-US" sz="2640" spc="-1" strike="noStrike">
+            <a:endParaRPr b="0" lang="en-US" sz="3200" spc="-1" strike="noStrike">
               <a:solidFill>
                 <a:srgbClr val="000000"/>
               </a:solidFill>
@@ -6388,7 +6388,7 @@
           <a:p>
             <a:pPr lvl="1" marL="864000" indent="-324000">
               <a:spcBef>
-                <a:spcPts val="935"/>
+                <a:spcPts val="1134"/>
               </a:spcBef>
               <a:buClr>
                 <a:srgbClr val="000000"/>
@@ -6398,7 +6398,7 @@
               <a:buChar char=""/>
             </a:pPr>
             <a:r>
-              <a:rPr b="0" lang="en-US" sz="2310" spc="-1" strike="noStrike">
+              <a:rPr b="0" lang="en-US" sz="2800" spc="-1" strike="noStrike">
                 <a:solidFill>
                   <a:srgbClr val="000000"/>
                 </a:solidFill>
@@ -6406,7 +6406,7 @@
               </a:rPr>
               <a:t>Second Outline Level</a:t>
             </a:r>
-            <a:endParaRPr b="0" lang="en-US" sz="2310" spc="-1" strike="noStrike">
+            <a:endParaRPr b="0" lang="en-US" sz="2800" spc="-1" strike="noStrike">
               <a:solidFill>
                 <a:srgbClr val="000000"/>
               </a:solidFill>
@@ -6416,7 +6416,7 @@
           <a:p>
             <a:pPr lvl="2" marL="1296000" indent="-288000">
               <a:spcBef>
-                <a:spcPts val="700"/>
+                <a:spcPts val="850"/>
               </a:spcBef>
               <a:buClr>
                 <a:srgbClr val="000000"/>
@@ -6426,7 +6426,7 @@
               <a:buChar char=""/>
             </a:pPr>
             <a:r>
-              <a:rPr b="0" lang="en-US" sz="1979" spc="-1" strike="noStrike">
+              <a:rPr b="0" lang="en-US" sz="2400" spc="-1" strike="noStrike">
                 <a:solidFill>
                   <a:srgbClr val="000000"/>
                 </a:solidFill>
@@ -6434,7 +6434,7 @@
               </a:rPr>
               <a:t>Third Outline Level</a:t>
             </a:r>
-            <a:endParaRPr b="0" lang="en-US" sz="1979" spc="-1" strike="noStrike">
+            <a:endParaRPr b="0" lang="en-US" sz="2400" spc="-1" strike="noStrike">
               <a:solidFill>
                 <a:srgbClr val="000000"/>
               </a:solidFill>
@@ -6444,7 +6444,7 @@
           <a:p>
             <a:pPr lvl="3" marL="1728000" indent="-216000">
               <a:spcBef>
-                <a:spcPts val="468"/>
+                <a:spcPts val="567"/>
               </a:spcBef>
               <a:buClr>
                 <a:srgbClr val="000000"/>
@@ -6454,7 +6454,7 @@
               <a:buChar char=""/>
             </a:pPr>
             <a:r>
-              <a:rPr b="0" lang="en-US" sz="1650" spc="-1" strike="noStrike">
+              <a:rPr b="0" lang="en-US" sz="2000" spc="-1" strike="noStrike">
                 <a:solidFill>
                   <a:srgbClr val="000000"/>
                 </a:solidFill>
@@ -6462,7 +6462,7 @@
               </a:rPr>
               <a:t>Fourth Outline Level</a:t>
             </a:r>
-            <a:endParaRPr b="0" lang="en-US" sz="1650" spc="-1" strike="noStrike">
+            <a:endParaRPr b="0" lang="en-US" sz="2000" spc="-1" strike="noStrike">
               <a:solidFill>
                 <a:srgbClr val="000000"/>
               </a:solidFill>
@@ -6472,7 +6472,7 @@
           <a:p>
             <a:pPr lvl="4" marL="2160000" indent="-216000">
               <a:spcBef>
-                <a:spcPts val="232"/>
+                <a:spcPts val="283"/>
               </a:spcBef>
               <a:buClr>
                 <a:srgbClr val="000000"/>
@@ -6482,7 +6482,7 @@
               <a:buChar char=""/>
             </a:pPr>
             <a:r>
-              <a:rPr b="0" lang="en-US" sz="1650" spc="-1" strike="noStrike">
+              <a:rPr b="0" lang="en-US" sz="2000" spc="-1" strike="noStrike">
                 <a:solidFill>
                   <a:srgbClr val="000000"/>
                 </a:solidFill>
@@ -6490,7 +6490,7 @@
               </a:rPr>
               <a:t>Fifth Outline Level</a:t>
             </a:r>
-            <a:endParaRPr b="0" lang="en-US" sz="1650" spc="-1" strike="noStrike">
+            <a:endParaRPr b="0" lang="en-US" sz="2000" spc="-1" strike="noStrike">
               <a:solidFill>
                 <a:srgbClr val="000000"/>
               </a:solidFill>
@@ -6500,7 +6500,7 @@
           <a:p>
             <a:pPr lvl="5" marL="2592000" indent="-216000">
               <a:spcBef>
-                <a:spcPts val="232"/>
+                <a:spcPts val="283"/>
               </a:spcBef>
               <a:buClr>
                 <a:srgbClr val="000000"/>
@@ -6510,7 +6510,7 @@
               <a:buChar char=""/>
             </a:pPr>
             <a:r>
-              <a:rPr b="0" lang="en-US" sz="1650" spc="-1" strike="noStrike">
+              <a:rPr b="0" lang="en-US" sz="2000" spc="-1" strike="noStrike">
                 <a:solidFill>
                   <a:srgbClr val="000000"/>
                 </a:solidFill>
@@ -6518,7 +6518,7 @@
               </a:rPr>
               <a:t>Sixth Outline Level</a:t>
             </a:r>
-            <a:endParaRPr b="0" lang="en-US" sz="1650" spc="-1" strike="noStrike">
+            <a:endParaRPr b="0" lang="en-US" sz="2000" spc="-1" strike="noStrike">
               <a:solidFill>
                 <a:srgbClr val="000000"/>
               </a:solidFill>
@@ -6528,7 +6528,7 @@
           <a:p>
             <a:pPr lvl="6" marL="3024000" indent="-216000">
               <a:spcBef>
-                <a:spcPts val="232"/>
+                <a:spcPts val="283"/>
               </a:spcBef>
               <a:buClr>
                 <a:srgbClr val="000000"/>
@@ -6538,7 +6538,7 @@
               <a:buChar char=""/>
             </a:pPr>
             <a:r>
-              <a:rPr b="0" lang="en-US" sz="1650" spc="-1" strike="noStrike">
+              <a:rPr b="0" lang="en-US" sz="2000" spc="-1" strike="noStrike">
                 <a:solidFill>
                   <a:srgbClr val="000000"/>
                 </a:solidFill>
@@ -6546,7 +6546,7 @@
               </a:rPr>
               <a:t>Seventh Outline Level</a:t>
             </a:r>
-            <a:endParaRPr b="0" lang="en-US" sz="1650" spc="-1" strike="noStrike">
+            <a:endParaRPr b="0" lang="en-US" sz="2000" spc="-1" strike="noStrike">
               <a:solidFill>
                 <a:srgbClr val="000000"/>
               </a:solidFill>
@@ -6601,7 +6601,7 @@
         <p:spPr>
           <a:xfrm>
             <a:off x="177840" y="3960"/>
-            <a:ext cx="8736840" cy="1366920"/>
+            <a:ext cx="8736480" cy="1366560"/>
           </a:xfrm>
           <a:prstGeom prst="rect">
             <a:avLst/>
@@ -6705,7 +6705,7 @@
         <p:spPr>
           <a:xfrm>
             <a:off x="8407440" y="228600"/>
-            <a:ext cx="1421640" cy="1828080"/>
+            <a:ext cx="1421280" cy="1827720"/>
           </a:xfrm>
           <a:prstGeom prst="rect">
             <a:avLst/>
@@ -6724,7 +6724,7 @@
         <p:spPr>
           <a:xfrm>
             <a:off x="457200" y="1600200"/>
-            <a:ext cx="8914320" cy="3776400"/>
+            <a:ext cx="8913960" cy="3776040"/>
           </a:xfrm>
           <a:prstGeom prst="rect">
             <a:avLst/>
@@ -7188,7 +7188,7 @@
         <p:spPr>
           <a:xfrm>
             <a:off x="2228400" y="378000"/>
-            <a:ext cx="6458400" cy="364680"/>
+            <a:ext cx="6458040" cy="363960"/>
           </a:xfrm>
           <a:prstGeom prst="rect">
             <a:avLst/>
@@ -7230,11 +7230,11 @@
               </a:rPr>
               <a:t>Decode barcode image using YOLOv8 and REAL-ESRGAN</a:t>
             </a:r>
-            <a:endParaRPr b="1" lang="en-US" sz="1800" spc="-1" strike="noStrike">
-              <a:solidFill>
-                <a:srgbClr val="000000"/>
-              </a:solidFill>
-              <a:latin typeface="Times New Roman"/>
+            <a:endParaRPr b="0" lang="en-US" sz="1800" spc="-1" strike="noStrike">
+              <a:solidFill>
+                <a:srgbClr val="000000"/>
+              </a:solidFill>
+              <a:latin typeface="Arial"/>
             </a:endParaRPr>
           </a:p>
         </p:txBody>
@@ -7248,9 +7248,9 @@
         <p:grpSpPr>
           <a:xfrm>
             <a:off x="186840" y="1835280"/>
-            <a:ext cx="9705240" cy="3631320"/>
+            <a:ext cx="9704880" cy="3630960"/>
             <a:chOff x="186840" y="1835280"/>
-            <a:chExt cx="9705240" cy="3631320"/>
+            <a:chExt cx="9704880" cy="3630960"/>
           </a:xfrm>
         </p:grpSpPr>
         <p:pic>
@@ -7266,7 +7266,7 @@
           <p:spPr>
             <a:xfrm>
               <a:off x="7243560" y="2314080"/>
-              <a:ext cx="2648520" cy="1275480"/>
+              <a:ext cx="2648160" cy="1275120"/>
             </a:xfrm>
             <a:prstGeom prst="rect">
               <a:avLst/>
@@ -7289,7 +7289,7 @@
           <p:spPr>
             <a:xfrm>
               <a:off x="4048920" y="2311920"/>
-              <a:ext cx="2648520" cy="1275480"/>
+              <a:ext cx="2648160" cy="1275120"/>
             </a:xfrm>
             <a:prstGeom prst="rect">
               <a:avLst/>
@@ -7308,7 +7308,7 @@
           <p:spPr>
             <a:xfrm>
               <a:off x="4929120" y="1840680"/>
-              <a:ext cx="1329840" cy="455400"/>
+              <a:ext cx="1329480" cy="455400"/>
             </a:xfrm>
             <a:prstGeom prst="rect">
               <a:avLst/>
@@ -7340,6 +7340,7 @@
                     <a:schemeClr val="dk1"/>
                   </a:solidFill>
                   <a:latin typeface="Calibri"/>
+                  <a:ea typeface="DejaVu Sans"/>
                 </a:rPr>
                 <a:t>137x66</a:t>
               </a:r>
@@ -7347,7 +7348,7 @@
                 <a:solidFill>
                   <a:srgbClr val="000000"/>
                 </a:solidFill>
-                <a:latin typeface="Times New Roman"/>
+                <a:latin typeface="Arial"/>
               </a:endParaRPr>
             </a:p>
           </p:txBody>
@@ -7361,7 +7362,7 @@
           <p:spPr>
             <a:xfrm>
               <a:off x="5331600" y="3590280"/>
-              <a:ext cx="1077480" cy="455400"/>
+              <a:ext cx="1077120" cy="455400"/>
             </a:xfrm>
             <a:prstGeom prst="rect">
               <a:avLst/>
@@ -7393,6 +7394,7 @@
                     <a:schemeClr val="dk1"/>
                   </a:solidFill>
                   <a:latin typeface="Calibri"/>
+                  <a:ea typeface="DejaVu Sans"/>
                 </a:rPr>
                 <a:t>37x46</a:t>
               </a:r>
@@ -7400,7 +7402,7 @@
                 <a:solidFill>
                   <a:srgbClr val="000000"/>
                 </a:solidFill>
-                <a:latin typeface="Times New Roman"/>
+                <a:latin typeface="Arial"/>
               </a:endParaRPr>
             </a:p>
           </p:txBody>
@@ -7414,7 +7416,7 @@
           <p:spPr>
             <a:xfrm>
               <a:off x="8129520" y="1835280"/>
-              <a:ext cx="1329840" cy="455400"/>
+              <a:ext cx="1329480" cy="455400"/>
             </a:xfrm>
             <a:prstGeom prst="rect">
               <a:avLst/>
@@ -7446,6 +7448,7 @@
                     <a:schemeClr val="dk1"/>
                   </a:solidFill>
                   <a:latin typeface="Calibri"/>
+                  <a:ea typeface="DejaVu Sans"/>
                 </a:rPr>
                 <a:t>548x264</a:t>
               </a:r>
@@ -7453,7 +7456,7 @@
                 <a:solidFill>
                   <a:srgbClr val="000000"/>
                 </a:solidFill>
-                <a:latin typeface="Times New Roman"/>
+                <a:latin typeface="Arial"/>
               </a:endParaRPr>
             </a:p>
           </p:txBody>
@@ -7467,7 +7470,7 @@
           <p:spPr>
             <a:xfrm>
               <a:off x="7851960" y="3558960"/>
-              <a:ext cx="1431720" cy="455400"/>
+              <a:ext cx="1431360" cy="455400"/>
             </a:xfrm>
             <a:prstGeom prst="rect">
               <a:avLst/>
@@ -7499,6 +7502,7 @@
                     <a:schemeClr val="dk1"/>
                   </a:solidFill>
                   <a:latin typeface="Calibri"/>
+                  <a:ea typeface="DejaVu Sans"/>
                 </a:rPr>
                 <a:t>148x184</a:t>
               </a:r>
@@ -7506,7 +7510,7 @@
                 <a:solidFill>
                   <a:srgbClr val="000000"/>
                 </a:solidFill>
-                <a:latin typeface="Times New Roman"/>
+                <a:latin typeface="Arial"/>
               </a:endParaRPr>
             </a:p>
           </p:txBody>
@@ -7519,8 +7523,8 @@
           </p:nvSpPr>
           <p:spPr>
             <a:xfrm rot="16200000">
-              <a:off x="6822360" y="2954880"/>
-              <a:ext cx="317520" cy="489600"/>
+              <a:off x="6822360" y="2955240"/>
+              <a:ext cx="317160" cy="489240"/>
             </a:xfrm>
             <a:prstGeom prst="downArrow">
               <a:avLst>
@@ -7556,11 +7560,17 @@
               <a:noAutofit/>
             </a:bodyPr>
             <a:p>
+              <a:pPr>
+                <a:lnSpc>
+                  <a:spcPct val="100000"/>
+                </a:lnSpc>
+              </a:pPr>
               <a:endParaRPr b="0" lang="en-US" sz="1800" spc="-1" strike="noStrike">
                 <a:solidFill>
                   <a:schemeClr val="lt1"/>
                 </a:solidFill>
                 <a:latin typeface="Times New Roman"/>
+                <a:ea typeface="DejaVu Sans"/>
               </a:endParaRPr>
             </a:p>
           </p:txBody>
@@ -7573,8 +7583,8 @@
           </p:nvSpPr>
           <p:spPr>
             <a:xfrm rot="16200000">
-              <a:off x="6779520" y="4398120"/>
-              <a:ext cx="317880" cy="489240"/>
+              <a:off x="6779520" y="4398480"/>
+              <a:ext cx="317520" cy="488880"/>
             </a:xfrm>
             <a:prstGeom prst="downArrow">
               <a:avLst>
@@ -7610,11 +7620,17 @@
               <a:noAutofit/>
             </a:bodyPr>
             <a:p>
+              <a:pPr>
+                <a:lnSpc>
+                  <a:spcPct val="100000"/>
+                </a:lnSpc>
+              </a:pPr>
               <a:endParaRPr b="0" lang="en-US" sz="1800" spc="-1" strike="noStrike">
                 <a:solidFill>
                   <a:schemeClr val="lt1"/>
                 </a:solidFill>
                 <a:latin typeface="Times New Roman"/>
+                <a:ea typeface="DejaVu Sans"/>
               </a:endParaRPr>
             </a:p>
           </p:txBody>
@@ -7628,7 +7644,7 @@
           <p:spPr>
             <a:xfrm>
               <a:off x="6610320" y="4014360"/>
-              <a:ext cx="1329840" cy="577440"/>
+              <a:ext cx="1329480" cy="577440"/>
             </a:xfrm>
             <a:prstGeom prst="rect">
               <a:avLst/>
@@ -7660,6 +7676,7 @@
                     <a:schemeClr val="dk1"/>
                   </a:solidFill>
                   <a:latin typeface="Calibri"/>
+                  <a:ea typeface="DejaVu Sans"/>
                 </a:rPr>
                 <a:t>X4</a:t>
               </a:r>
@@ -7667,7 +7684,7 @@
                 <a:solidFill>
                   <a:srgbClr val="000000"/>
                 </a:solidFill>
-                <a:latin typeface="Times New Roman"/>
+                <a:latin typeface="Arial"/>
               </a:endParaRPr>
             </a:p>
           </p:txBody>
@@ -7681,7 +7698,7 @@
           <p:spPr>
             <a:xfrm>
               <a:off x="6736320" y="2568600"/>
-              <a:ext cx="1330200" cy="577440"/>
+              <a:ext cx="1329840" cy="577440"/>
             </a:xfrm>
             <a:prstGeom prst="rect">
               <a:avLst/>
@@ -7713,6 +7730,7 @@
                     <a:schemeClr val="dk1"/>
                   </a:solidFill>
                   <a:latin typeface="Calibri"/>
+                  <a:ea typeface="DejaVu Sans"/>
                 </a:rPr>
                 <a:t>X4</a:t>
               </a:r>
@@ -7720,7 +7738,7 @@
                 <a:solidFill>
                   <a:srgbClr val="000000"/>
                 </a:solidFill>
-                <a:latin typeface="Times New Roman"/>
+                <a:latin typeface="Arial"/>
               </a:endParaRPr>
             </a:p>
           </p:txBody>
@@ -7738,7 +7756,7 @@
           <p:spPr>
             <a:xfrm>
               <a:off x="186840" y="2799000"/>
-              <a:ext cx="3557160" cy="2667600"/>
+              <a:ext cx="3556800" cy="2667240"/>
             </a:xfrm>
             <a:prstGeom prst="rect">
               <a:avLst/>
@@ -7758,8 +7776,8 @@
           </p:nvCxnSpPr>
           <p:spPr>
             <a:xfrm>
-              <a:off x="2448360" y="4335480"/>
-              <a:ext cx="2648160" cy="307800"/>
+              <a:off x="2448000" y="4335480"/>
+              <a:ext cx="2648880" cy="308160"/>
             </a:xfrm>
             <a:prstGeom prst="straightConnector1">
               <a:avLst/>
@@ -7784,7 +7802,7 @@
           <p:spPr>
             <a:xfrm flipV="1">
               <a:off x="1944360" y="2949480"/>
-              <a:ext cx="2104920" cy="1308600"/>
+              <a:ext cx="2104920" cy="1308960"/>
             </a:xfrm>
             <a:prstGeom prst="straightConnector1">
               <a:avLst/>
@@ -7807,7 +7825,7 @@
           <p:spPr>
             <a:xfrm>
               <a:off x="766440" y="4256640"/>
-              <a:ext cx="1176840" cy="519120"/>
+              <a:ext cx="1176480" cy="518760"/>
             </a:xfrm>
             <a:prstGeom prst="rect">
               <a:avLst/>
@@ -7838,11 +7856,17 @@
               <a:noAutofit/>
             </a:bodyPr>
             <a:p>
+              <a:pPr>
+                <a:lnSpc>
+                  <a:spcPct val="100000"/>
+                </a:lnSpc>
+              </a:pPr>
               <a:endParaRPr b="0" lang="en-US" sz="1800" spc="-1" strike="noStrike">
                 <a:solidFill>
                   <a:schemeClr val="lt1"/>
                 </a:solidFill>
                 <a:latin typeface="Times New Roman"/>
+                <a:ea typeface="DejaVu Sans"/>
               </a:endParaRPr>
             </a:p>
           </p:txBody>
@@ -7856,7 +7880,7 @@
           <p:spPr>
             <a:xfrm>
               <a:off x="2110680" y="4182480"/>
-              <a:ext cx="337680" cy="306360"/>
+              <a:ext cx="337320" cy="306000"/>
             </a:xfrm>
             <a:prstGeom prst="rect">
               <a:avLst/>
@@ -7887,11 +7911,17 @@
               <a:noAutofit/>
             </a:bodyPr>
             <a:p>
+              <a:pPr>
+                <a:lnSpc>
+                  <a:spcPct val="100000"/>
+                </a:lnSpc>
+              </a:pPr>
               <a:endParaRPr b="0" lang="en-US" sz="1800" spc="-1" strike="noStrike">
                 <a:solidFill>
                   <a:schemeClr val="lt1"/>
                 </a:solidFill>
                 <a:latin typeface="Times New Roman"/>
+                <a:ea typeface="DejaVu Sans"/>
               </a:endParaRPr>
             </a:p>
           </p:txBody>
@@ -7909,7 +7939,7 @@
           <p:spPr>
             <a:xfrm>
               <a:off x="7792200" y="3994920"/>
-              <a:ext cx="1164240" cy="1447560"/>
+              <a:ext cx="1163880" cy="1447200"/>
             </a:xfrm>
             <a:prstGeom prst="rect">
               <a:avLst/>
@@ -7932,7 +7962,7 @@
           <p:spPr>
             <a:xfrm>
               <a:off x="5094720" y="3970800"/>
-              <a:ext cx="1164240" cy="1447560"/>
+              <a:ext cx="1163880" cy="1447200"/>
             </a:xfrm>
             <a:prstGeom prst="rect">
               <a:avLst/>
@@ -7952,7 +7982,7 @@
         <p:spPr>
           <a:xfrm>
             <a:off x="2268720" y="1141200"/>
-            <a:ext cx="1388880" cy="600840"/>
+            <a:ext cx="1388520" cy="600480"/>
           </a:xfrm>
           <a:prstGeom prst="rect">
             <a:avLst/>
@@ -7996,6 +8026,7 @@
                   <a:schemeClr val="lt1"/>
                 </a:solidFill>
                 <a:latin typeface="Times New Roman"/>
+                <a:ea typeface="DejaVu Sans"/>
               </a:rPr>
               <a:t>Yolov8 detected barcodes image</a:t>
             </a:r>
@@ -8003,7 +8034,7 @@
               <a:solidFill>
                 <a:srgbClr val="000000"/>
               </a:solidFill>
-              <a:latin typeface="Times New Roman"/>
+              <a:latin typeface="Arial"/>
             </a:endParaRPr>
           </a:p>
         </p:txBody>
@@ -8017,7 +8048,7 @@
         <p:spPr>
           <a:xfrm>
             <a:off x="4390560" y="1141920"/>
-            <a:ext cx="2360880" cy="600840"/>
+            <a:ext cx="2360520" cy="600480"/>
           </a:xfrm>
           <a:prstGeom prst="rect">
             <a:avLst/>
@@ -8061,6 +8092,7 @@
                   <a:schemeClr val="lt1"/>
                 </a:solidFill>
                 <a:latin typeface="Times New Roman"/>
+                <a:ea typeface="DejaVu Sans"/>
               </a:rPr>
               <a:t>Real-ESRGAN restores the image barcodes</a:t>
             </a:r>
@@ -8068,7 +8100,7 @@
               <a:solidFill>
                 <a:srgbClr val="000000"/>
               </a:solidFill>
-              <a:latin typeface="Times New Roman"/>
+              <a:latin typeface="Arial"/>
             </a:endParaRPr>
           </a:p>
         </p:txBody>
@@ -8082,7 +8114,7 @@
         <p:spPr>
           <a:xfrm>
             <a:off x="175320" y="1156320"/>
-            <a:ext cx="1430280" cy="600840"/>
+            <a:ext cx="1429920" cy="600480"/>
           </a:xfrm>
           <a:prstGeom prst="rect">
             <a:avLst/>
@@ -8126,6 +8158,7 @@
                   <a:schemeClr val="lt1"/>
                 </a:solidFill>
                 <a:latin typeface="Times New Roman"/>
+                <a:ea typeface="DejaVu Sans"/>
               </a:rPr>
               <a:t>Image resized 416x416</a:t>
             </a:r>
@@ -8133,7 +8166,7 @@
               <a:solidFill>
                 <a:srgbClr val="000000"/>
               </a:solidFill>
-              <a:latin typeface="Times New Roman"/>
+              <a:latin typeface="Arial"/>
             </a:endParaRPr>
           </a:p>
         </p:txBody>
@@ -8146,8 +8179,8 @@
         </p:nvSpPr>
         <p:spPr>
           <a:xfrm rot="16200000">
-            <a:off x="1771920" y="1180440"/>
-            <a:ext cx="317880" cy="489240"/>
+            <a:off x="1771920" y="1180800"/>
+            <a:ext cx="317520" cy="488880"/>
           </a:xfrm>
           <a:prstGeom prst="downArrow">
             <a:avLst>
@@ -8183,11 +8216,17 @@
             <a:noAutofit/>
           </a:bodyPr>
           <a:p>
+            <a:pPr>
+              <a:lnSpc>
+                <a:spcPct val="100000"/>
+              </a:lnSpc>
+            </a:pPr>
             <a:endParaRPr b="0" lang="en-US" sz="1800" spc="-1" strike="noStrike">
               <a:solidFill>
                 <a:schemeClr val="lt1"/>
               </a:solidFill>
               <a:latin typeface="Times New Roman"/>
+              <a:ea typeface="DejaVu Sans"/>
             </a:endParaRPr>
           </a:p>
         </p:txBody>
@@ -8200,8 +8239,8 @@
         </p:nvSpPr>
         <p:spPr>
           <a:xfrm rot="16200000">
-            <a:off x="3885840" y="1180440"/>
-            <a:ext cx="317880" cy="489240"/>
+            <a:off x="3885840" y="1180800"/>
+            <a:ext cx="317520" cy="488880"/>
           </a:xfrm>
           <a:prstGeom prst="downArrow">
             <a:avLst>
@@ -8237,11 +8276,17 @@
             <a:noAutofit/>
           </a:bodyPr>
           <a:p>
+            <a:pPr>
+              <a:lnSpc>
+                <a:spcPct val="100000"/>
+              </a:lnSpc>
+            </a:pPr>
             <a:endParaRPr b="0" lang="en-US" sz="1800" spc="-1" strike="noStrike">
               <a:solidFill>
                 <a:schemeClr val="lt1"/>
               </a:solidFill>
               <a:latin typeface="Times New Roman"/>
+              <a:ea typeface="DejaVu Sans"/>
             </a:endParaRPr>
           </a:p>
         </p:txBody>
@@ -8255,7 +8300,7 @@
         <p:spPr>
           <a:xfrm>
             <a:off x="7390800" y="1122840"/>
-            <a:ext cx="2556360" cy="600840"/>
+            <a:ext cx="2556000" cy="600480"/>
           </a:xfrm>
           <a:prstGeom prst="rect">
             <a:avLst/>
@@ -8299,6 +8344,7 @@
                   <a:schemeClr val="lt1"/>
                 </a:solidFill>
                 <a:latin typeface="Times New Roman"/>
+                <a:ea typeface="DejaVu Sans"/>
               </a:rPr>
               <a:t>Use Pyzbar libraries to decode restored Image barcodes</a:t>
             </a:r>
@@ -8306,7 +8352,7 @@
               <a:solidFill>
                 <a:srgbClr val="000000"/>
               </a:solidFill>
-              <a:latin typeface="Times New Roman"/>
+              <a:latin typeface="Arial"/>
             </a:endParaRPr>
           </a:p>
         </p:txBody>
@@ -8319,8 +8365,8 @@
         </p:nvSpPr>
         <p:spPr>
           <a:xfrm rot="16200000">
-            <a:off x="6914520" y="1180440"/>
-            <a:ext cx="317880" cy="489240"/>
+            <a:off x="6914520" y="1180800"/>
+            <a:ext cx="317520" cy="488880"/>
           </a:xfrm>
           <a:prstGeom prst="downArrow">
             <a:avLst>
@@ -8356,11 +8402,17 @@
             <a:noAutofit/>
           </a:bodyPr>
           <a:p>
+            <a:pPr>
+              <a:lnSpc>
+                <a:spcPct val="100000"/>
+              </a:lnSpc>
+            </a:pPr>
             <a:endParaRPr b="0" lang="en-US" sz="1800" spc="-1" strike="noStrike">
               <a:solidFill>
                 <a:schemeClr val="lt1"/>
               </a:solidFill>
               <a:latin typeface="Times New Roman"/>
+              <a:ea typeface="DejaVu Sans"/>
             </a:endParaRPr>
           </a:p>
         </p:txBody>
@@ -8374,7 +8426,7 @@
         <p:spPr>
           <a:xfrm>
             <a:off x="93960" y="631080"/>
-            <a:ext cx="2266560" cy="363960"/>
+            <a:ext cx="2266200" cy="363960"/>
           </a:xfrm>
           <a:prstGeom prst="rect">
             <a:avLst/>
@@ -8407,15 +8459,15 @@
                 </a:solidFill>
                 <a:uFillTx/>
                 <a:latin typeface="Times New Roman"/>
+                <a:ea typeface="DejaVu Sans"/>
               </a:rPr>
               <a:t>System workflow</a:t>
             </a:r>
-            <a:endParaRPr b="0" lang="en-US" sz="1800" spc="-1" strike="noStrike" u="sng">
-              <a:solidFill>
-                <a:srgbClr val="000000"/>
-              </a:solidFill>
-              <a:uFillTx/>
-              <a:latin typeface="Times New Roman"/>
+            <a:endParaRPr b="0" lang="en-US" sz="1800" spc="-1" strike="noStrike">
+              <a:solidFill>
+                <a:srgbClr val="000000"/>
+              </a:solidFill>
+              <a:latin typeface="Arial"/>
             </a:endParaRPr>
           </a:p>
         </p:txBody>
@@ -8429,7 +8481,7 @@
         <p:spPr>
           <a:xfrm>
             <a:off x="360" y="360"/>
-            <a:ext cx="10079280" cy="259560"/>
+            <a:ext cx="10078920" cy="259200"/>
           </a:xfrm>
           <a:prstGeom prst="rect">
             <a:avLst/>
@@ -8473,6 +8525,7 @@
                   <a:schemeClr val="lt1"/>
                 </a:solidFill>
                 <a:latin typeface="Times New Roman"/>
+                <a:ea typeface="DejaVu Sans"/>
               </a:rPr>
               <a:t>System workflow, deploy and test on practical data</a:t>
             </a:r>
@@ -8480,7 +8533,7 @@
               <a:solidFill>
                 <a:srgbClr val="000000"/>
               </a:solidFill>
-              <a:latin typeface="Times New Roman"/>
+              <a:latin typeface="Arial"/>
             </a:endParaRPr>
           </a:p>
         </p:txBody>
